--- a/Notebooks/Nederlands/02 - Objecten datastructuren en operatoren/07 - Tuples.pptx
+++ b/Notebooks/Nederlands/02 - Objecten datastructuren en operatoren/07 - Tuples.pptx
@@ -51,6 +51,22 @@
     <p:sldId id="299" r:id="rId50"/>
     <p:sldId id="300" r:id="rId51"/>
     <p:sldId id="301" r:id="rId52"/>
+    <p:sldId id="302" r:id="rId53"/>
+    <p:sldId id="303" r:id="rId54"/>
+    <p:sldId id="304" r:id="rId55"/>
+    <p:sldId id="305" r:id="rId56"/>
+    <p:sldId id="306" r:id="rId57"/>
+    <p:sldId id="307" r:id="rId58"/>
+    <p:sldId id="308" r:id="rId59"/>
+    <p:sldId id="309" r:id="rId60"/>
+    <p:sldId id="310" r:id="rId61"/>
+    <p:sldId id="311" r:id="rId62"/>
+    <p:sldId id="312" r:id="rId63"/>
+    <p:sldId id="313" r:id="rId64"/>
+    <p:sldId id="314" r:id="rId65"/>
+    <p:sldId id="315" r:id="rId66"/>
+    <p:sldId id="316" r:id="rId67"/>
+    <p:sldId id="317" r:id="rId68"/>
   </p:sldIdLst>
   <p:sldSz cx="9144000" cy="6858000" type="screen4x3"/>
   <p:notesSz cx="6858000" cy="9144000"/>
@@ -6213,6 +6229,220 @@
 </p:sld>
 </file>
 
+<file path=ppt/slides/slide47.xml><?xml version="1.0" encoding="utf-8"?>
+<p:sld xmlns:a="http://schemas.openxmlformats.org/drawingml/2006/main" xmlns:p="http://schemas.openxmlformats.org/presentationml/2006/main" xmlns:r="http://schemas.openxmlformats.org/officeDocument/2006/relationships">
+  <p:cSld>
+    <p:spTree>
+      <p:nvGrpSpPr>
+        <p:cNvPr id="1" name=""/>
+        <p:cNvGrpSpPr/>
+        <p:nvPr/>
+      </p:nvGrpSpPr>
+      <p:grpSpPr/>
+      <p:pic>
+        <p:nvPicPr>
+          <p:cNvPr id="2" name="Picture 1" descr="image.png"/>
+          <p:cNvPicPr>
+            <a:picLocks noChangeAspect="1"/>
+          </p:cNvPicPr>
+          <p:nvPr/>
+        </p:nvPicPr>
+        <p:blipFill>
+          <a:blip r:embed="rId2"/>
+          <a:stretch>
+            <a:fillRect/>
+          </a:stretch>
+        </p:blipFill>
+        <p:spPr>
+          <a:xfrm>
+            <a:off x="914400" y="914400"/>
+            <a:ext cx="5105400" cy="1346200"/>
+          </a:xfrm>
+          <a:prstGeom prst="rect">
+            <a:avLst/>
+          </a:prstGeom>
+        </p:spPr>
+      </p:pic>
+    </p:spTree>
+  </p:cSld>
+  <p:clrMapOvr>
+    <a:masterClrMapping/>
+  </p:clrMapOvr>
+</p:sld>
+</file>
+
+<file path=ppt/slides/slide48.xml><?xml version="1.0" encoding="utf-8"?>
+<p:sld xmlns:a="http://schemas.openxmlformats.org/drawingml/2006/main" xmlns:p="http://schemas.openxmlformats.org/presentationml/2006/main" xmlns:r="http://schemas.openxmlformats.org/officeDocument/2006/relationships">
+  <p:cSld>
+    <p:spTree>
+      <p:nvGrpSpPr>
+        <p:cNvPr id="1" name=""/>
+        <p:cNvGrpSpPr/>
+        <p:nvPr/>
+      </p:nvGrpSpPr>
+      <p:grpSpPr/>
+      <p:sp>
+        <p:nvSpPr>
+          <p:cNvPr id="2" name="TextBox 1"/>
+          <p:cNvSpPr txBox="1"/>
+          <p:nvPr/>
+        </p:nvSpPr>
+        <p:spPr>
+          <a:xfrm>
+            <a:off x="914400" y="914400"/>
+            <a:ext cx="914400" cy="914400"/>
+          </a:xfrm>
+          <a:prstGeom prst="rect">
+            <a:avLst/>
+          </a:prstGeom>
+          <a:noFill/>
+        </p:spPr>
+        <p:txBody>
+          <a:bodyPr wrap="none">
+            <a:spAutoFit/>
+          </a:bodyPr>
+          <a:lstStyle/>
+          <a:p>
+            <a:r>
+              <a:t>Info:</a:t>
+            </a:r>
+          </a:p>
+          <a:p>
+            <a:pPr>
+              <a:defRPr sz="1200"/>
+            </a:pPr>
+            <a:r>
+              <a:t>&lt;center&gt;</a:t>
+            </a:r>
+            <a:br/>
+            <a:r>
+              <a:t>    &lt;img src='https://intecbrussel.be/img/logo3.png' width='400px' height='auto'/&gt;</a:t>
+            </a:r>
+            <a:br/>
+            <a:r>
+              <a:t>    &lt;br/&gt;</a:t>
+            </a:r>
+            <a:br/>
+            <a:r>
+              <a:t>    &lt;em&gt;Python les-materialen&lt;/em&gt;</a:t>
+            </a:r>
+            <a:br/>
+            <a:r>
+              <a:t>&lt;/center&gt;</a:t>
+            </a:r>
+            <a:br/>
+          </a:p>
+        </p:txBody>
+      </p:sp>
+    </p:spTree>
+  </p:cSld>
+  <p:clrMapOvr>
+    <a:masterClrMapping/>
+  </p:clrMapOvr>
+</p:sld>
+</file>
+
+<file path=ppt/slides/slide49.xml><?xml version="1.0" encoding="utf-8"?>
+<p:sld xmlns:a="http://schemas.openxmlformats.org/drawingml/2006/main" xmlns:p="http://schemas.openxmlformats.org/presentationml/2006/main" xmlns:r="http://schemas.openxmlformats.org/officeDocument/2006/relationships">
+  <p:cSld>
+    <p:spTree>
+      <p:nvGrpSpPr>
+        <p:cNvPr id="1" name=""/>
+        <p:cNvGrpSpPr/>
+        <p:nvPr/>
+      </p:nvGrpSpPr>
+      <p:grpSpPr/>
+      <p:sp>
+        <p:nvSpPr>
+          <p:cNvPr id="2" name="TextBox 1"/>
+          <p:cNvSpPr txBox="1"/>
+          <p:nvPr/>
+        </p:nvSpPr>
+        <p:spPr>
+          <a:xfrm>
+            <a:off x="914400" y="914400"/>
+            <a:ext cx="914400" cy="914400"/>
+          </a:xfrm>
+          <a:prstGeom prst="rect">
+            <a:avLst/>
+          </a:prstGeom>
+          <a:noFill/>
+        </p:spPr>
+        <p:txBody>
+          <a:bodyPr wrap="none">
+            <a:spAutoFit/>
+          </a:bodyPr>
+          <a:lstStyle/>
+          <a:p>
+            <a:r>
+              <a:t>Info:</a:t>
+            </a:r>
+          </a:p>
+          <a:p>
+            <a:pPr>
+              <a:defRPr sz="1200"/>
+            </a:pPr>
+            <a:r>
+              <a:t># Tuples</a:t>
+            </a:r>
+            <a:br/>
+            <a:br/>
+            <a:r>
+              <a:t>In Python lijken tuples erg op lijsten, maar in tegenstelling tot lijsten zijn ze *immutable (onveranderlijk)*, wat betekent dat ze niet kunnen worden gewijzigd. </a:t>
+            </a:r>
+            <a:br/>
+            <a:r>
+              <a:t>Je zou tuples gebruiken om dingen te presenteren die niet mogen veranderd worden, zoals **dagen van de week** of **datums op een kalender**.</a:t>
+            </a:r>
+            <a:br/>
+            <a:br/>
+            <a:r>
+              <a:t>In deze sectie krijgen we een kort overzicht van het volgende:</a:t>
+            </a:r>
+            <a:br/>
+            <a:br/>
+            <a:r>
+              <a:t>     1.) Tuples construeren (bouwen)</a:t>
+            </a:r>
+            <a:br/>
+            <a:r>
+              <a:t>     2.) Basis Tuple-methoden</a:t>
+            </a:r>
+            <a:br/>
+            <a:r>
+              <a:t>     3.) Onveranderlijkheid (Immutability)</a:t>
+            </a:r>
+            <a:br/>
+            <a:r>
+              <a:t>     4.) Wanneer worden tuples gebruikt?</a:t>
+            </a:r>
+            <a:br/>
+            <a:br/>
+            <a:r>
+              <a:t>Je hebt een intuÃ¯tie voor het gebruik van tuples op basis van wat je hebt geleerd over lijsten. We kunnen ze op dezelfde manier behandelen, met als belangrijkste onderscheid (distinction) dat tuples onveranderlijk zijn.</a:t>
+            </a:r>
+            <a:br/>
+            <a:br/>
+            <a:r>
+              <a:t>## Tuples construeren</a:t>
+            </a:r>
+            <a:br/>
+            <a:br/>
+            <a:r>
+              <a:t>De constructie van een tuple gebruikt () met elementen gescheiden/gesplit door komma's. Bijvoorbeeld:</a:t>
+            </a:r>
+            <a:br/>
+          </a:p>
+        </p:txBody>
+      </p:sp>
+    </p:spTree>
+  </p:cSld>
+  <p:clrMapOvr>
+    <a:masterClrMapping/>
+  </p:clrMapOvr>
+</p:sld>
+</file>
+
 <file path=ppt/slides/slide5.xml><?xml version="1.0" encoding="utf-8"?>
 <p:sld xmlns:a="http://schemas.openxmlformats.org/drawingml/2006/main" xmlns:p="http://schemas.openxmlformats.org/presentationml/2006/main" xmlns:r="http://schemas.openxmlformats.org/officeDocument/2006/relationships">
   <p:cSld>
@@ -6280,6 +6510,606 @@
             </a:r>
           </a:p>
           <a:p/>
+        </p:txBody>
+      </p:sp>
+    </p:spTree>
+  </p:cSld>
+  <p:clrMapOvr>
+    <a:masterClrMapping/>
+  </p:clrMapOvr>
+</p:sld>
+</file>
+
+<file path=ppt/slides/slide50.xml><?xml version="1.0" encoding="utf-8"?>
+<p:sld xmlns:a="http://schemas.openxmlformats.org/drawingml/2006/main" xmlns:p="http://schemas.openxmlformats.org/presentationml/2006/main" xmlns:r="http://schemas.openxmlformats.org/officeDocument/2006/relationships">
+  <p:cSld>
+    <p:spTree>
+      <p:nvGrpSpPr>
+        <p:cNvPr id="1" name=""/>
+        <p:cNvGrpSpPr/>
+        <p:nvPr/>
+      </p:nvGrpSpPr>
+      <p:grpSpPr/>
+      <p:sp>
+        <p:nvSpPr>
+          <p:cNvPr id="2" name="TextBox 1"/>
+          <p:cNvSpPr txBox="1"/>
+          <p:nvPr/>
+        </p:nvSpPr>
+        <p:spPr>
+          <a:xfrm>
+            <a:off x="914400" y="914400"/>
+            <a:ext cx="914400" cy="914400"/>
+          </a:xfrm>
+          <a:prstGeom prst="rect">
+            <a:avLst/>
+          </a:prstGeom>
+          <a:noFill/>
+        </p:spPr>
+        <p:txBody>
+          <a:bodyPr wrap="none">
+            <a:spAutoFit/>
+          </a:bodyPr>
+          <a:lstStyle/>
+          <a:p>
+            <a:r>
+              <a:t>Python Code: </a:t>
+            </a:r>
+          </a:p>
+          <a:p>
+            <a:pPr>
+              <a:defRPr sz="1200"/>
+            </a:pPr>
+            <a:r>
+              <a:t>``` # Maak een tuple aan</a:t>
+            </a:r>
+            <a:br/>
+            <a:r>
+              <a:t> `````` t = (1,2,3) ```</a:t>
+            </a:r>
+            <a:br/>
+          </a:p>
+        </p:txBody>
+      </p:sp>
+    </p:spTree>
+  </p:cSld>
+  <p:clrMapOvr>
+    <a:masterClrMapping/>
+  </p:clrMapOvr>
+</p:sld>
+</file>
+
+<file path=ppt/slides/slide51.xml><?xml version="1.0" encoding="utf-8"?>
+<p:sld xmlns:a="http://schemas.openxmlformats.org/drawingml/2006/main" xmlns:p="http://schemas.openxmlformats.org/presentationml/2006/main" xmlns:r="http://schemas.openxmlformats.org/officeDocument/2006/relationships">
+  <p:cSld>
+    <p:spTree>
+      <p:nvGrpSpPr>
+        <p:cNvPr id="1" name=""/>
+        <p:cNvGrpSpPr/>
+        <p:nvPr/>
+      </p:nvGrpSpPr>
+      <p:grpSpPr/>
+      <p:sp>
+        <p:nvSpPr>
+          <p:cNvPr id="2" name="TextBox 1"/>
+          <p:cNvSpPr txBox="1"/>
+          <p:nvPr/>
+        </p:nvSpPr>
+        <p:spPr>
+          <a:xfrm>
+            <a:off x="914400" y="914400"/>
+            <a:ext cx="914400" cy="914400"/>
+          </a:xfrm>
+          <a:prstGeom prst="rect">
+            <a:avLst/>
+          </a:prstGeom>
+          <a:noFill/>
+        </p:spPr>
+        <p:txBody>
+          <a:bodyPr wrap="none">
+            <a:spAutoFit/>
+          </a:bodyPr>
+          <a:lstStyle/>
+          <a:p>
+            <a:r>
+              <a:t>Python Code: </a:t>
+            </a:r>
+          </a:p>
+          <a:p>
+            <a:pPr>
+              <a:defRPr sz="1200"/>
+            </a:pPr>
+            <a:r>
+              <a:t>``` # Controleer het lengthe (len) net als een lijst</a:t>
+            </a:r>
+            <a:br/>
+            <a:r>
+              <a:t> `````` len(t) ```</a:t>
+            </a:r>
+            <a:br/>
+          </a:p>
+        </p:txBody>
+      </p:sp>
+    </p:spTree>
+  </p:cSld>
+  <p:clrMapOvr>
+    <a:masterClrMapping/>
+  </p:clrMapOvr>
+</p:sld>
+</file>
+
+<file path=ppt/slides/slide52.xml><?xml version="1.0" encoding="utf-8"?>
+<p:sld xmlns:a="http://schemas.openxmlformats.org/drawingml/2006/main" xmlns:p="http://schemas.openxmlformats.org/presentationml/2006/main" xmlns:r="http://schemas.openxmlformats.org/officeDocument/2006/relationships">
+  <p:cSld>
+    <p:spTree>
+      <p:nvGrpSpPr>
+        <p:cNvPr id="1" name=""/>
+        <p:cNvGrpSpPr/>
+        <p:nvPr/>
+      </p:nvGrpSpPr>
+      <p:grpSpPr/>
+      <p:sp>
+        <p:nvSpPr>
+          <p:cNvPr id="2" name="TextBox 1"/>
+          <p:cNvSpPr txBox="1"/>
+          <p:nvPr/>
+        </p:nvSpPr>
+        <p:spPr>
+          <a:xfrm>
+            <a:off x="914400" y="914400"/>
+            <a:ext cx="914400" cy="914400"/>
+          </a:xfrm>
+          <a:prstGeom prst="rect">
+            <a:avLst/>
+          </a:prstGeom>
+          <a:noFill/>
+        </p:spPr>
+        <p:txBody>
+          <a:bodyPr wrap="none">
+            <a:spAutoFit/>
+          </a:bodyPr>
+          <a:lstStyle/>
+          <a:p>
+            <a:r>
+              <a:t>Python Code: </a:t>
+            </a:r>
+          </a:p>
+          <a:p>
+            <a:pPr>
+              <a:defRPr sz="1200"/>
+            </a:pPr>
+            <a:r>
+              <a:t>``` # Kan ook objecttypen combineren</a:t>
+            </a:r>
+            <a:br/>
+            <a:r>
+              <a:t> `````` t = ('one',2)</a:t>
+            </a:r>
+            <a:br/>
+            <a:r>
+              <a:t> `````` </a:t>
+            </a:r>
+            <a:br/>
+            <a:r>
+              <a:t> `````` # Tonen</a:t>
+            </a:r>
+            <a:br/>
+            <a:r>
+              <a:t> `````` t ```</a:t>
+            </a:r>
+            <a:br/>
+          </a:p>
+        </p:txBody>
+      </p:sp>
+    </p:spTree>
+  </p:cSld>
+  <p:clrMapOvr>
+    <a:masterClrMapping/>
+  </p:clrMapOvr>
+</p:sld>
+</file>
+
+<file path=ppt/slides/slide53.xml><?xml version="1.0" encoding="utf-8"?>
+<p:sld xmlns:a="http://schemas.openxmlformats.org/drawingml/2006/main" xmlns:p="http://schemas.openxmlformats.org/presentationml/2006/main" xmlns:r="http://schemas.openxmlformats.org/officeDocument/2006/relationships">
+  <p:cSld>
+    <p:spTree>
+      <p:nvGrpSpPr>
+        <p:cNvPr id="1" name=""/>
+        <p:cNvGrpSpPr/>
+        <p:nvPr/>
+      </p:nvGrpSpPr>
+      <p:grpSpPr/>
+      <p:sp>
+        <p:nvSpPr>
+          <p:cNvPr id="2" name="TextBox 1"/>
+          <p:cNvSpPr txBox="1"/>
+          <p:nvPr/>
+        </p:nvSpPr>
+        <p:spPr>
+          <a:xfrm>
+            <a:off x="914400" y="914400"/>
+            <a:ext cx="914400" cy="914400"/>
+          </a:xfrm>
+          <a:prstGeom prst="rect">
+            <a:avLst/>
+          </a:prstGeom>
+          <a:noFill/>
+        </p:spPr>
+        <p:txBody>
+          <a:bodyPr wrap="none">
+            <a:spAutoFit/>
+          </a:bodyPr>
+          <a:lstStyle/>
+          <a:p>
+            <a:r>
+              <a:t>Python Code: </a:t>
+            </a:r>
+          </a:p>
+          <a:p>
+            <a:pPr>
+              <a:defRPr sz="1200"/>
+            </a:pPr>
+            <a:r>
+              <a:t>``` # Gebruik indexering net zoals we hadden met de lijsten gecodeerd</a:t>
+            </a:r>
+            <a:br/>
+            <a:r>
+              <a:t> `````` t[0] ```</a:t>
+            </a:r>
+            <a:br/>
+          </a:p>
+        </p:txBody>
+      </p:sp>
+    </p:spTree>
+  </p:cSld>
+  <p:clrMapOvr>
+    <a:masterClrMapping/>
+  </p:clrMapOvr>
+</p:sld>
+</file>
+
+<file path=ppt/slides/slide54.xml><?xml version="1.0" encoding="utf-8"?>
+<p:sld xmlns:a="http://schemas.openxmlformats.org/drawingml/2006/main" xmlns:p="http://schemas.openxmlformats.org/presentationml/2006/main" xmlns:r="http://schemas.openxmlformats.org/officeDocument/2006/relationships">
+  <p:cSld>
+    <p:spTree>
+      <p:nvGrpSpPr>
+        <p:cNvPr id="1" name=""/>
+        <p:cNvGrpSpPr/>
+        <p:nvPr/>
+      </p:nvGrpSpPr>
+      <p:grpSpPr/>
+      <p:sp>
+        <p:nvSpPr>
+          <p:cNvPr id="2" name="TextBox 1"/>
+          <p:cNvSpPr txBox="1"/>
+          <p:nvPr/>
+        </p:nvSpPr>
+        <p:spPr>
+          <a:xfrm>
+            <a:off x="914400" y="914400"/>
+            <a:ext cx="914400" cy="914400"/>
+          </a:xfrm>
+          <a:prstGeom prst="rect">
+            <a:avLst/>
+          </a:prstGeom>
+          <a:noFill/>
+        </p:spPr>
+        <p:txBody>
+          <a:bodyPr wrap="none">
+            <a:spAutoFit/>
+          </a:bodyPr>
+          <a:lstStyle/>
+          <a:p>
+            <a:r>
+              <a:t>Python Code: </a:t>
+            </a:r>
+          </a:p>
+          <a:p>
+            <a:pPr>
+              <a:defRPr sz="1200"/>
+            </a:pPr>
+            <a:r>
+              <a:t>``` # Snijden/Sliceren net zoals een lijst</a:t>
+            </a:r>
+            <a:br/>
+            <a:r>
+              <a:t> `````` t[-1] ```</a:t>
+            </a:r>
+            <a:br/>
+          </a:p>
+        </p:txBody>
+      </p:sp>
+    </p:spTree>
+  </p:cSld>
+  <p:clrMapOvr>
+    <a:masterClrMapping/>
+  </p:clrMapOvr>
+</p:sld>
+</file>
+
+<file path=ppt/slides/slide55.xml><?xml version="1.0" encoding="utf-8"?>
+<p:sld xmlns:a="http://schemas.openxmlformats.org/drawingml/2006/main" xmlns:p="http://schemas.openxmlformats.org/presentationml/2006/main" xmlns:r="http://schemas.openxmlformats.org/officeDocument/2006/relationships">
+  <p:cSld>
+    <p:spTree>
+      <p:nvGrpSpPr>
+        <p:cNvPr id="1" name=""/>
+        <p:cNvGrpSpPr/>
+        <p:nvPr/>
+      </p:nvGrpSpPr>
+      <p:grpSpPr/>
+      <p:sp>
+        <p:nvSpPr>
+          <p:cNvPr id="2" name="TextBox 1"/>
+          <p:cNvSpPr txBox="1"/>
+          <p:nvPr/>
+        </p:nvSpPr>
+        <p:spPr>
+          <a:xfrm>
+            <a:off x="914400" y="914400"/>
+            <a:ext cx="914400" cy="914400"/>
+          </a:xfrm>
+          <a:prstGeom prst="rect">
+            <a:avLst/>
+          </a:prstGeom>
+          <a:noFill/>
+        </p:spPr>
+        <p:txBody>
+          <a:bodyPr wrap="none">
+            <a:spAutoFit/>
+          </a:bodyPr>
+          <a:lstStyle/>
+          <a:p>
+            <a:r>
+              <a:t>Info:</a:t>
+            </a:r>
+          </a:p>
+          <a:p>
+            <a:pPr>
+              <a:defRPr sz="1200"/>
+            </a:pPr>
+            <a:r>
+              <a:t>## Basis Tuple-methoden</a:t>
+            </a:r>
+            <a:br/>
+            <a:br/>
+            <a:r>
+              <a:t>Tuples hebben ingebouwde methoden, maar niet zoveel als lijsten. Laten we er twee bekijken:</a:t>
+            </a:r>
+            <a:br/>
+          </a:p>
+        </p:txBody>
+      </p:sp>
+    </p:spTree>
+  </p:cSld>
+  <p:clrMapOvr>
+    <a:masterClrMapping/>
+  </p:clrMapOvr>
+</p:sld>
+</file>
+
+<file path=ppt/slides/slide56.xml><?xml version="1.0" encoding="utf-8"?>
+<p:sld xmlns:a="http://schemas.openxmlformats.org/drawingml/2006/main" xmlns:p="http://schemas.openxmlformats.org/presentationml/2006/main" xmlns:r="http://schemas.openxmlformats.org/officeDocument/2006/relationships">
+  <p:cSld>
+    <p:spTree>
+      <p:nvGrpSpPr>
+        <p:cNvPr id="1" name=""/>
+        <p:cNvGrpSpPr/>
+        <p:nvPr/>
+      </p:nvGrpSpPr>
+      <p:grpSpPr/>
+      <p:sp>
+        <p:nvSpPr>
+          <p:cNvPr id="2" name="TextBox 1"/>
+          <p:cNvSpPr txBox="1"/>
+          <p:nvPr/>
+        </p:nvSpPr>
+        <p:spPr>
+          <a:xfrm>
+            <a:off x="914400" y="914400"/>
+            <a:ext cx="914400" cy="914400"/>
+          </a:xfrm>
+          <a:prstGeom prst="rect">
+            <a:avLst/>
+          </a:prstGeom>
+          <a:noFill/>
+        </p:spPr>
+        <p:txBody>
+          <a:bodyPr wrap="none">
+            <a:spAutoFit/>
+          </a:bodyPr>
+          <a:lstStyle/>
+          <a:p>
+            <a:r>
+              <a:t>Python Code: </a:t>
+            </a:r>
+          </a:p>
+          <a:p>
+            <a:pPr>
+              <a:defRPr sz="1200"/>
+            </a:pPr>
+            <a:r>
+              <a:t>``` # Gebruik .index om een waarde in te voeren en de index terug te geven</a:t>
+            </a:r>
+            <a:br/>
+            <a:r>
+              <a:t> `````` t.index('one') ```</a:t>
+            </a:r>
+            <a:br/>
+          </a:p>
+        </p:txBody>
+      </p:sp>
+    </p:spTree>
+  </p:cSld>
+  <p:clrMapOvr>
+    <a:masterClrMapping/>
+  </p:clrMapOvr>
+</p:sld>
+</file>
+
+<file path=ppt/slides/slide57.xml><?xml version="1.0" encoding="utf-8"?>
+<p:sld xmlns:a="http://schemas.openxmlformats.org/drawingml/2006/main" xmlns:p="http://schemas.openxmlformats.org/presentationml/2006/main" xmlns:r="http://schemas.openxmlformats.org/officeDocument/2006/relationships">
+  <p:cSld>
+    <p:spTree>
+      <p:nvGrpSpPr>
+        <p:cNvPr id="1" name=""/>
+        <p:cNvGrpSpPr/>
+        <p:nvPr/>
+      </p:nvGrpSpPr>
+      <p:grpSpPr/>
+      <p:sp>
+        <p:nvSpPr>
+          <p:cNvPr id="2" name="TextBox 1"/>
+          <p:cNvSpPr txBox="1"/>
+          <p:nvPr/>
+        </p:nvSpPr>
+        <p:spPr>
+          <a:xfrm>
+            <a:off x="914400" y="914400"/>
+            <a:ext cx="914400" cy="914400"/>
+          </a:xfrm>
+          <a:prstGeom prst="rect">
+            <a:avLst/>
+          </a:prstGeom>
+          <a:noFill/>
+        </p:spPr>
+        <p:txBody>
+          <a:bodyPr wrap="none">
+            <a:spAutoFit/>
+          </a:bodyPr>
+          <a:lstStyle/>
+          <a:p>
+            <a:r>
+              <a:t>Python Code: </a:t>
+            </a:r>
+          </a:p>
+          <a:p>
+            <a:pPr>
+              <a:defRPr sz="1200"/>
+            </a:pPr>
+            <a:r>
+              <a:t>``` # Gebruik .count om het aantal keren te tellen dat een waarde verschijnt</a:t>
+            </a:r>
+            <a:br/>
+            <a:r>
+              <a:t> `````` t.count('one') ```</a:t>
+            </a:r>
+            <a:br/>
+          </a:p>
+        </p:txBody>
+      </p:sp>
+    </p:spTree>
+  </p:cSld>
+  <p:clrMapOvr>
+    <a:masterClrMapping/>
+  </p:clrMapOvr>
+</p:sld>
+</file>
+
+<file path=ppt/slides/slide58.xml><?xml version="1.0" encoding="utf-8"?>
+<p:sld xmlns:a="http://schemas.openxmlformats.org/drawingml/2006/main" xmlns:p="http://schemas.openxmlformats.org/presentationml/2006/main" xmlns:r="http://schemas.openxmlformats.org/officeDocument/2006/relationships">
+  <p:cSld>
+    <p:spTree>
+      <p:nvGrpSpPr>
+        <p:cNvPr id="1" name=""/>
+        <p:cNvGrpSpPr/>
+        <p:nvPr/>
+      </p:nvGrpSpPr>
+      <p:grpSpPr/>
+      <p:sp>
+        <p:nvSpPr>
+          <p:cNvPr id="2" name="TextBox 1"/>
+          <p:cNvSpPr txBox="1"/>
+          <p:nvPr/>
+        </p:nvSpPr>
+        <p:spPr>
+          <a:xfrm>
+            <a:off x="914400" y="914400"/>
+            <a:ext cx="914400" cy="914400"/>
+          </a:xfrm>
+          <a:prstGeom prst="rect">
+            <a:avLst/>
+          </a:prstGeom>
+          <a:noFill/>
+        </p:spPr>
+        <p:txBody>
+          <a:bodyPr wrap="none">
+            <a:spAutoFit/>
+          </a:bodyPr>
+          <a:lstStyle/>
+          <a:p>
+            <a:r>
+              <a:t>Info:</a:t>
+            </a:r>
+          </a:p>
+          <a:p>
+            <a:pPr>
+              <a:defRPr sz="1200"/>
+            </a:pPr>
+            <a:r>
+              <a:t>## Onveranderlijkheid/Immutability</a:t>
+            </a:r>
+            <a:br/>
+            <a:br/>
+            <a:r>
+              <a:t>Het kan niet genoeg benadrukt worden dat tuples immutable (onveranderlijk) zijn. Laten we eens testen hoe belangrijk deze inhoud is::</a:t>
+            </a:r>
+            <a:br/>
+          </a:p>
+        </p:txBody>
+      </p:sp>
+    </p:spTree>
+  </p:cSld>
+  <p:clrMapOvr>
+    <a:masterClrMapping/>
+  </p:clrMapOvr>
+</p:sld>
+</file>
+
+<file path=ppt/slides/slide59.xml><?xml version="1.0" encoding="utf-8"?>
+<p:sld xmlns:a="http://schemas.openxmlformats.org/drawingml/2006/main" xmlns:p="http://schemas.openxmlformats.org/presentationml/2006/main" xmlns:r="http://schemas.openxmlformats.org/officeDocument/2006/relationships">
+  <p:cSld>
+    <p:spTree>
+      <p:nvGrpSpPr>
+        <p:cNvPr id="1" name=""/>
+        <p:cNvGrpSpPr/>
+        <p:nvPr/>
+      </p:nvGrpSpPr>
+      <p:grpSpPr/>
+      <p:sp>
+        <p:nvSpPr>
+          <p:cNvPr id="2" name="TextBox 1"/>
+          <p:cNvSpPr txBox="1"/>
+          <p:nvPr/>
+        </p:nvSpPr>
+        <p:spPr>
+          <a:xfrm>
+            <a:off x="914400" y="914400"/>
+            <a:ext cx="914400" cy="914400"/>
+          </a:xfrm>
+          <a:prstGeom prst="rect">
+            <a:avLst/>
+          </a:prstGeom>
+          <a:noFill/>
+        </p:spPr>
+        <p:txBody>
+          <a:bodyPr wrap="none">
+            <a:spAutoFit/>
+          </a:bodyPr>
+          <a:lstStyle/>
+          <a:p>
+            <a:r>
+              <a:t>Python Code: </a:t>
+            </a:r>
+          </a:p>
+          <a:p>
+            <a:pPr>
+              <a:defRPr sz="1200"/>
+            </a:pPr>
+            <a:r>
+              <a:t>``` t[0]= 'change' ```</a:t>
+            </a:r>
+            <a:br/>
+          </a:p>
         </p:txBody>
       </p:sp>
     </p:spTree>
@@ -6346,6 +7176,194 @@
             </a:r>
           </a:p>
           <a:p/>
+        </p:txBody>
+      </p:sp>
+    </p:spTree>
+  </p:cSld>
+  <p:clrMapOvr>
+    <a:masterClrMapping/>
+  </p:clrMapOvr>
+</p:sld>
+</file>
+
+<file path=ppt/slides/slide60.xml><?xml version="1.0" encoding="utf-8"?>
+<p:sld xmlns:a="http://schemas.openxmlformats.org/drawingml/2006/main" xmlns:p="http://schemas.openxmlformats.org/presentationml/2006/main" xmlns:r="http://schemas.openxmlformats.org/officeDocument/2006/relationships">
+  <p:cSld>
+    <p:spTree>
+      <p:nvGrpSpPr>
+        <p:cNvPr id="1" name=""/>
+        <p:cNvGrpSpPr/>
+        <p:nvPr/>
+      </p:nvGrpSpPr>
+      <p:grpSpPr/>
+      <p:sp>
+        <p:nvSpPr>
+          <p:cNvPr id="2" name="TextBox 1"/>
+          <p:cNvSpPr txBox="1"/>
+          <p:nvPr/>
+        </p:nvSpPr>
+        <p:spPr>
+          <a:xfrm>
+            <a:off x="914400" y="914400"/>
+            <a:ext cx="914400" cy="914400"/>
+          </a:xfrm>
+          <a:prstGeom prst="rect">
+            <a:avLst/>
+          </a:prstGeom>
+          <a:noFill/>
+        </p:spPr>
+        <p:txBody>
+          <a:bodyPr wrap="none">
+            <a:spAutoFit/>
+          </a:bodyPr>
+          <a:lstStyle/>
+          <a:p>
+            <a:r>
+              <a:t>Info:</a:t>
+            </a:r>
+          </a:p>
+          <a:p>
+            <a:pPr>
+              <a:defRPr sz="1200"/>
+            </a:pPr>
+            <a:r>
+              <a:t>Vanwege deze onveranderlijkheid kunnen tuples niet groeien. Als een tuple eenmaal is gemaakt, kunnen we er niets meer aan toevoegen.</a:t>
+            </a:r>
+            <a:br/>
+          </a:p>
+        </p:txBody>
+      </p:sp>
+    </p:spTree>
+  </p:cSld>
+  <p:clrMapOvr>
+    <a:masterClrMapping/>
+  </p:clrMapOvr>
+</p:sld>
+</file>
+
+<file path=ppt/slides/slide61.xml><?xml version="1.0" encoding="utf-8"?>
+<p:sld xmlns:a="http://schemas.openxmlformats.org/drawingml/2006/main" xmlns:p="http://schemas.openxmlformats.org/presentationml/2006/main" xmlns:r="http://schemas.openxmlformats.org/officeDocument/2006/relationships">
+  <p:cSld>
+    <p:spTree>
+      <p:nvGrpSpPr>
+        <p:cNvPr id="1" name=""/>
+        <p:cNvGrpSpPr/>
+        <p:nvPr/>
+      </p:nvGrpSpPr>
+      <p:grpSpPr/>
+      <p:sp>
+        <p:nvSpPr>
+          <p:cNvPr id="2" name="TextBox 1"/>
+          <p:cNvSpPr txBox="1"/>
+          <p:nvPr/>
+        </p:nvSpPr>
+        <p:spPr>
+          <a:xfrm>
+            <a:off x="914400" y="914400"/>
+            <a:ext cx="914400" cy="914400"/>
+          </a:xfrm>
+          <a:prstGeom prst="rect">
+            <a:avLst/>
+          </a:prstGeom>
+          <a:noFill/>
+        </p:spPr>
+        <p:txBody>
+          <a:bodyPr wrap="none">
+            <a:spAutoFit/>
+          </a:bodyPr>
+          <a:lstStyle/>
+          <a:p>
+            <a:r>
+              <a:t>Python Code: </a:t>
+            </a:r>
+          </a:p>
+          <a:p>
+            <a:pPr>
+              <a:defRPr sz="1200"/>
+            </a:pPr>
+            <a:r>
+              <a:t>``` t.append('nope') ```</a:t>
+            </a:r>
+            <a:br/>
+          </a:p>
+        </p:txBody>
+      </p:sp>
+    </p:spTree>
+  </p:cSld>
+  <p:clrMapOvr>
+    <a:masterClrMapping/>
+  </p:clrMapOvr>
+</p:sld>
+</file>
+
+<file path=ppt/slides/slide62.xml><?xml version="1.0" encoding="utf-8"?>
+<p:sld xmlns:a="http://schemas.openxmlformats.org/drawingml/2006/main" xmlns:p="http://schemas.openxmlformats.org/presentationml/2006/main" xmlns:r="http://schemas.openxmlformats.org/officeDocument/2006/relationships">
+  <p:cSld>
+    <p:spTree>
+      <p:nvGrpSpPr>
+        <p:cNvPr id="1" name=""/>
+        <p:cNvGrpSpPr/>
+        <p:nvPr/>
+      </p:nvGrpSpPr>
+      <p:grpSpPr/>
+      <p:sp>
+        <p:nvSpPr>
+          <p:cNvPr id="2" name="TextBox 1"/>
+          <p:cNvSpPr txBox="1"/>
+          <p:nvPr/>
+        </p:nvSpPr>
+        <p:spPr>
+          <a:xfrm>
+            <a:off x="914400" y="914400"/>
+            <a:ext cx="914400" cy="914400"/>
+          </a:xfrm>
+          <a:prstGeom prst="rect">
+            <a:avLst/>
+          </a:prstGeom>
+          <a:noFill/>
+        </p:spPr>
+        <p:txBody>
+          <a:bodyPr wrap="none">
+            <a:spAutoFit/>
+          </a:bodyPr>
+          <a:lstStyle/>
+          <a:p>
+            <a:r>
+              <a:t>Info:</a:t>
+            </a:r>
+          </a:p>
+          <a:p>
+            <a:pPr>
+              <a:defRPr sz="1200"/>
+            </a:pPr>
+            <a:r>
+              <a:t>## Wanneer tuples gebruiken?</a:t>
+            </a:r>
+            <a:br/>
+            <a:br/>
+            <a:r>
+              <a:t>Je vraagt â€‹â€‹je misschien af: "Waarom zou je tuples gebruiken als ze minder beschikbare methoden hebben?" Om eerlijk te zijn, tuples worden niet zo vaak gebruikt als lijsten bij het programmeren, maar worden gebruikt wanneer onveranderlijkheid noodzakelijk is. </a:t>
+            </a:r>
+            <a:br/>
+            <a:r>
+              <a:t>Als u in uw programma een object doorgeeft en ervoor moet zorgen dat het niet wordt gewijzigd, wordt een tuple uw oplossing. </a:t>
+            </a:r>
+            <a:br/>
+            <a:r>
+              <a:t>Het biedt een handige bron van gegevensintegriteit (data integrity).</a:t>
+            </a:r>
+            <a:br/>
+            <a:br/>
+            <a:r>
+              <a:t>Je zou nu in staat moeten zijn om tuples in je programmering te maken en te gebruiken, evenals hun immutability (onveranderlijkheid) goed genoeg te begrijpen.</a:t>
+            </a:r>
+            <a:br/>
+            <a:br/>
+            <a:r>
+              <a:t>Veel success met programmeren!</a:t>
+            </a:r>
+            <a:br/>
+          </a:p>
         </p:txBody>
       </p:sp>
     </p:spTree>

--- a/Notebooks/Nederlands/02 - Objecten datastructuren en operatoren/07 - Tuples.pptx
+++ b/Notebooks/Nederlands/02 - Objecten datastructuren en operatoren/07 - Tuples.pptx
@@ -8,7 +8,7 @@
     <p:sldId id="256" r:id="rId2"/>
     <p:sldId id="257" r:id="rId3"/>
   </p:sldIdLst>
-  <p:sldSz cx="9144000" cy="5143500" type="screen16x9"/>
+  <p:sldSz cx="9144000" cy="6858000" type="screen4x3"/>
   <p:notesSz cx="6858000" cy="9144000"/>
   <p:defaultTextStyle>
     <a:defPPr>
@@ -108,12 +108,12 @@
   <p:extLst>
     <p:ext uri="{EFAFB233-063F-42B5-8137-9DF3F51BA10A}">
       <p15:sldGuideLst xmlns:p15="http://schemas.microsoft.com/office/powerpoint/2012/main">
-        <p15:guide id="1" orient="horz" pos="1620" userDrawn="1">
+        <p15:guide id="1" orient="horz" pos="2160">
           <p15:clr>
             <a:srgbClr val="A4A3A4"/>
           </p15:clr>
         </p15:guide>
-        <p15:guide id="2" pos="2880" userDrawn="1">
+        <p15:guide id="2" pos="2880">
           <p15:clr>
             <a:srgbClr val="A4A3A4"/>
           </p15:clr>
@@ -153,8 +153,8 @@
         </p:nvSpPr>
         <p:spPr>
           <a:xfrm>
-            <a:off x="685800" y="1597819"/>
-            <a:ext cx="7772400" cy="1102519"/>
+            <a:off x="685800" y="2130425"/>
+            <a:ext cx="7772400" cy="1470025"/>
           </a:xfrm>
         </p:spPr>
         <p:txBody>
@@ -162,9 +162,10 @@
           <a:lstStyle/>
           <a:p>
             <a:r>
-              <a:rPr lang="en-US"/>
+              <a:rPr lang="en-US" smtClean="0"/>
               <a:t>Click to edit Master title style</a:t>
             </a:r>
+            <a:endParaRPr lang="en-US"/>
           </a:p>
         </p:txBody>
       </p:sp>
@@ -180,8 +181,8 @@
         </p:nvSpPr>
         <p:spPr>
           <a:xfrm>
-            <a:off x="1371600" y="2914650"/>
-            <a:ext cx="6400800" cy="1314450"/>
+            <a:off x="1371600" y="3886200"/>
+            <a:ext cx="6400800" cy="1752600"/>
           </a:xfrm>
         </p:spPr>
         <p:txBody>
@@ -197,7 +198,7 @@
                 </a:solidFill>
               </a:defRPr>
             </a:lvl1pPr>
-            <a:lvl2pPr marL="342900" indent="0" algn="ctr">
+            <a:lvl2pPr marL="457200" indent="0" algn="ctr">
               <a:buNone/>
               <a:defRPr>
                 <a:solidFill>
@@ -207,7 +208,7 @@
                 </a:solidFill>
               </a:defRPr>
             </a:lvl2pPr>
-            <a:lvl3pPr marL="685800" indent="0" algn="ctr">
+            <a:lvl3pPr marL="914400" indent="0" algn="ctr">
               <a:buNone/>
               <a:defRPr>
                 <a:solidFill>
@@ -217,7 +218,7 @@
                 </a:solidFill>
               </a:defRPr>
             </a:lvl3pPr>
-            <a:lvl4pPr marL="1028700" indent="0" algn="ctr">
+            <a:lvl4pPr marL="1371600" indent="0" algn="ctr">
               <a:buNone/>
               <a:defRPr>
                 <a:solidFill>
@@ -227,7 +228,7 @@
                 </a:solidFill>
               </a:defRPr>
             </a:lvl4pPr>
-            <a:lvl5pPr marL="1371600" indent="0" algn="ctr">
+            <a:lvl5pPr marL="1828800" indent="0" algn="ctr">
               <a:buNone/>
               <a:defRPr>
                 <a:solidFill>
@@ -237,7 +238,7 @@
                 </a:solidFill>
               </a:defRPr>
             </a:lvl5pPr>
-            <a:lvl6pPr marL="1714500" indent="0" algn="ctr">
+            <a:lvl6pPr marL="2286000" indent="0" algn="ctr">
               <a:buNone/>
               <a:defRPr>
                 <a:solidFill>
@@ -247,7 +248,7 @@
                 </a:solidFill>
               </a:defRPr>
             </a:lvl6pPr>
-            <a:lvl7pPr marL="2057400" indent="0" algn="ctr">
+            <a:lvl7pPr marL="2743200" indent="0" algn="ctr">
               <a:buNone/>
               <a:defRPr>
                 <a:solidFill>
@@ -257,7 +258,7 @@
                 </a:solidFill>
               </a:defRPr>
             </a:lvl7pPr>
-            <a:lvl8pPr marL="2400300" indent="0" algn="ctr">
+            <a:lvl8pPr marL="3200400" indent="0" algn="ctr">
               <a:buNone/>
               <a:defRPr>
                 <a:solidFill>
@@ -267,7 +268,7 @@
                 </a:solidFill>
               </a:defRPr>
             </a:lvl8pPr>
-            <a:lvl9pPr marL="2743200" indent="0" algn="ctr">
+            <a:lvl9pPr marL="3657600" indent="0" algn="ctr">
               <a:buNone/>
               <a:defRPr>
                 <a:solidFill>
@@ -280,9 +281,10 @@
           </a:lstStyle>
           <a:p>
             <a:r>
-              <a:rPr lang="en-US"/>
+              <a:rPr lang="en-US" smtClean="0"/>
               <a:t>Click to edit Master subtitle style</a:t>
             </a:r>
+            <a:endParaRPr lang="en-US"/>
           </a:p>
         </p:txBody>
       </p:sp>
@@ -303,7 +305,7 @@
           <a:p>
             <a:fld id="{241EB5C9-1307-BA42-ABA2-0BC069CD8E7F}" type="datetimeFigureOut">
               <a:rPr lang="en-US" smtClean="0"/>
-              <a:t>1/2/22</a:t>
+              <a:t>4/5/2019</a:t>
             </a:fld>
             <a:endParaRPr lang="en-US"/>
           </a:p>
@@ -397,9 +399,10 @@
           <a:lstStyle/>
           <a:p>
             <a:r>
-              <a:rPr lang="en-US"/>
+              <a:rPr lang="en-US" smtClean="0"/>
               <a:t>Click to edit Master title style</a:t>
             </a:r>
+            <a:endParaRPr lang="en-US"/>
           </a:p>
         </p:txBody>
       </p:sp>
@@ -420,37 +423,38 @@
           <a:p>
             <a:pPr lvl="0"/>
             <a:r>
-              <a:rPr lang="en-US"/>
+              <a:rPr lang="en-US" smtClean="0"/>
               <a:t>Click to edit Master text styles</a:t>
             </a:r>
           </a:p>
           <a:p>
             <a:pPr lvl="1"/>
             <a:r>
-              <a:rPr lang="en-US"/>
+              <a:rPr lang="en-US" smtClean="0"/>
               <a:t>Second level</a:t>
             </a:r>
           </a:p>
           <a:p>
             <a:pPr lvl="2"/>
             <a:r>
-              <a:rPr lang="en-US"/>
+              <a:rPr lang="en-US" smtClean="0"/>
               <a:t>Third level</a:t>
             </a:r>
           </a:p>
           <a:p>
             <a:pPr lvl="3"/>
             <a:r>
-              <a:rPr lang="en-US"/>
+              <a:rPr lang="en-US" smtClean="0"/>
               <a:t>Fourth level</a:t>
             </a:r>
           </a:p>
           <a:p>
             <a:pPr lvl="4"/>
             <a:r>
-              <a:rPr lang="en-US"/>
+              <a:rPr lang="en-US" smtClean="0"/>
               <a:t>Fifth level</a:t>
             </a:r>
+            <a:endParaRPr lang="en-US"/>
           </a:p>
         </p:txBody>
       </p:sp>
@@ -471,7 +475,7 @@
           <a:p>
             <a:fld id="{241EB5C9-1307-BA42-ABA2-0BC069CD8E7F}" type="datetimeFigureOut">
               <a:rPr lang="en-US" smtClean="0"/>
-              <a:t>1/2/22</a:t>
+              <a:t>4/5/2019</a:t>
             </a:fld>
             <a:endParaRPr lang="en-US"/>
           </a:p>
@@ -561,8 +565,8 @@
         </p:nvSpPr>
         <p:spPr>
           <a:xfrm>
-            <a:off x="6629400" y="205979"/>
-            <a:ext cx="2057400" cy="4388644"/>
+            <a:off x="6629400" y="274638"/>
+            <a:ext cx="2057400" cy="5851525"/>
           </a:xfrm>
         </p:spPr>
         <p:txBody>
@@ -570,9 +574,10 @@
           <a:lstStyle/>
           <a:p>
             <a:r>
-              <a:rPr lang="en-US"/>
+              <a:rPr lang="en-US" smtClean="0"/>
               <a:t>Click to edit Master title style</a:t>
             </a:r>
+            <a:endParaRPr lang="en-US"/>
           </a:p>
         </p:txBody>
       </p:sp>
@@ -588,8 +593,8 @@
         </p:nvSpPr>
         <p:spPr>
           <a:xfrm>
-            <a:off x="457200" y="205979"/>
-            <a:ext cx="6019800" cy="4388644"/>
+            <a:off x="457200" y="274638"/>
+            <a:ext cx="6019800" cy="5851525"/>
           </a:xfrm>
         </p:spPr>
         <p:txBody>
@@ -598,37 +603,38 @@
           <a:p>
             <a:pPr lvl="0"/>
             <a:r>
-              <a:rPr lang="en-US"/>
+              <a:rPr lang="en-US" smtClean="0"/>
               <a:t>Click to edit Master text styles</a:t>
             </a:r>
           </a:p>
           <a:p>
             <a:pPr lvl="1"/>
             <a:r>
-              <a:rPr lang="en-US"/>
+              <a:rPr lang="en-US" smtClean="0"/>
               <a:t>Second level</a:t>
             </a:r>
           </a:p>
           <a:p>
             <a:pPr lvl="2"/>
             <a:r>
-              <a:rPr lang="en-US"/>
+              <a:rPr lang="en-US" smtClean="0"/>
               <a:t>Third level</a:t>
             </a:r>
           </a:p>
           <a:p>
             <a:pPr lvl="3"/>
             <a:r>
-              <a:rPr lang="en-US"/>
+              <a:rPr lang="en-US" smtClean="0"/>
               <a:t>Fourth level</a:t>
             </a:r>
           </a:p>
           <a:p>
             <a:pPr lvl="4"/>
             <a:r>
-              <a:rPr lang="en-US"/>
+              <a:rPr lang="en-US" smtClean="0"/>
               <a:t>Fifth level</a:t>
             </a:r>
+            <a:endParaRPr lang="en-US"/>
           </a:p>
         </p:txBody>
       </p:sp>
@@ -649,7 +655,7 @@
           <a:p>
             <a:fld id="{241EB5C9-1307-BA42-ABA2-0BC069CD8E7F}" type="datetimeFigureOut">
               <a:rPr lang="en-US" smtClean="0"/>
-              <a:t>1/2/22</a:t>
+              <a:t>4/5/2019</a:t>
             </a:fld>
             <a:endParaRPr lang="en-US"/>
           </a:p>
@@ -743,9 +749,10 @@
           <a:lstStyle/>
           <a:p>
             <a:r>
-              <a:rPr lang="en-US"/>
+              <a:rPr lang="en-US" smtClean="0"/>
               <a:t>Click to edit Master title style</a:t>
             </a:r>
+            <a:endParaRPr lang="en-US"/>
           </a:p>
         </p:txBody>
       </p:sp>
@@ -766,37 +773,38 @@
           <a:p>
             <a:pPr lvl="0"/>
             <a:r>
-              <a:rPr lang="en-US"/>
+              <a:rPr lang="en-US" smtClean="0"/>
               <a:t>Click to edit Master text styles</a:t>
             </a:r>
           </a:p>
           <a:p>
             <a:pPr lvl="1"/>
             <a:r>
-              <a:rPr lang="en-US"/>
+              <a:rPr lang="en-US" smtClean="0"/>
               <a:t>Second level</a:t>
             </a:r>
           </a:p>
           <a:p>
             <a:pPr lvl="2"/>
             <a:r>
-              <a:rPr lang="en-US"/>
+              <a:rPr lang="en-US" smtClean="0"/>
               <a:t>Third level</a:t>
             </a:r>
           </a:p>
           <a:p>
             <a:pPr lvl="3"/>
             <a:r>
-              <a:rPr lang="en-US"/>
+              <a:rPr lang="en-US" smtClean="0"/>
               <a:t>Fourth level</a:t>
             </a:r>
           </a:p>
           <a:p>
             <a:pPr lvl="4"/>
             <a:r>
-              <a:rPr lang="en-US"/>
+              <a:rPr lang="en-US" smtClean="0"/>
               <a:t>Fifth level</a:t>
             </a:r>
+            <a:endParaRPr lang="en-US"/>
           </a:p>
         </p:txBody>
       </p:sp>
@@ -817,7 +825,7 @@
           <a:p>
             <a:fld id="{241EB5C9-1307-BA42-ABA2-0BC069CD8E7F}" type="datetimeFigureOut">
               <a:rPr lang="en-US" smtClean="0"/>
-              <a:t>1/2/22</a:t>
+              <a:t>4/5/2019</a:t>
             </a:fld>
             <a:endParaRPr lang="en-US"/>
           </a:p>
@@ -907,22 +915,23 @@
         </p:nvSpPr>
         <p:spPr>
           <a:xfrm>
-            <a:off x="722313" y="3305176"/>
-            <a:ext cx="7772400" cy="1021556"/>
+            <a:off x="722313" y="4406900"/>
+            <a:ext cx="7772400" cy="1362075"/>
           </a:xfrm>
         </p:spPr>
         <p:txBody>
           <a:bodyPr anchor="t"/>
           <a:lstStyle>
             <a:lvl1pPr algn="l">
-              <a:defRPr sz="3000" b="1" cap="all"/>
+              <a:defRPr sz="4000" b="1" cap="all"/>
             </a:lvl1pPr>
           </a:lstStyle>
           <a:p>
             <a:r>
-              <a:rPr lang="en-US"/>
+              <a:rPr lang="en-US" smtClean="0"/>
               <a:t>Click to edit Master title style</a:t>
             </a:r>
+            <a:endParaRPr lang="en-US"/>
           </a:p>
         </p:txBody>
       </p:sp>
@@ -938,8 +947,8 @@
         </p:nvSpPr>
         <p:spPr>
           <a:xfrm>
-            <a:off x="722313" y="2180035"/>
-            <a:ext cx="7772400" cy="1125140"/>
+            <a:off x="722313" y="2906713"/>
+            <a:ext cx="7772400" cy="1500187"/>
           </a:xfrm>
         </p:spPr>
         <p:txBody>
@@ -947,7 +956,7 @@
           <a:lstStyle>
             <a:lvl1pPr marL="0" indent="0">
               <a:buNone/>
-              <a:defRPr sz="1500">
+              <a:defRPr sz="2000">
                 <a:solidFill>
                   <a:schemeClr val="tx1">
                     <a:tint val="75000"/>
@@ -955,9 +964,9 @@
                 </a:solidFill>
               </a:defRPr>
             </a:lvl1pPr>
-            <a:lvl2pPr marL="342900" indent="0">
-              <a:buNone/>
-              <a:defRPr sz="1350">
+            <a:lvl2pPr marL="457200" indent="0">
+              <a:buNone/>
+              <a:defRPr sz="1800">
                 <a:solidFill>
                   <a:schemeClr val="tx1">
                     <a:tint val="75000"/>
@@ -965,9 +974,9 @@
                 </a:solidFill>
               </a:defRPr>
             </a:lvl2pPr>
-            <a:lvl3pPr marL="685800" indent="0">
-              <a:buNone/>
-              <a:defRPr sz="1200">
+            <a:lvl3pPr marL="914400" indent="0">
+              <a:buNone/>
+              <a:defRPr sz="1600">
                 <a:solidFill>
                   <a:schemeClr val="tx1">
                     <a:tint val="75000"/>
@@ -975,9 +984,9 @@
                 </a:solidFill>
               </a:defRPr>
             </a:lvl3pPr>
-            <a:lvl4pPr marL="1028700" indent="0">
-              <a:buNone/>
-              <a:defRPr sz="1050">
+            <a:lvl4pPr marL="1371600" indent="0">
+              <a:buNone/>
+              <a:defRPr sz="1400">
                 <a:solidFill>
                   <a:schemeClr val="tx1">
                     <a:tint val="75000"/>
@@ -985,9 +994,9 @@
                 </a:solidFill>
               </a:defRPr>
             </a:lvl4pPr>
-            <a:lvl5pPr marL="1371600" indent="0">
-              <a:buNone/>
-              <a:defRPr sz="1050">
+            <a:lvl5pPr marL="1828800" indent="0">
+              <a:buNone/>
+              <a:defRPr sz="1400">
                 <a:solidFill>
                   <a:schemeClr val="tx1">
                     <a:tint val="75000"/>
@@ -995,9 +1004,9 @@
                 </a:solidFill>
               </a:defRPr>
             </a:lvl5pPr>
-            <a:lvl6pPr marL="1714500" indent="0">
-              <a:buNone/>
-              <a:defRPr sz="1050">
+            <a:lvl6pPr marL="2286000" indent="0">
+              <a:buNone/>
+              <a:defRPr sz="1400">
                 <a:solidFill>
                   <a:schemeClr val="tx1">
                     <a:tint val="75000"/>
@@ -1005,9 +1014,9 @@
                 </a:solidFill>
               </a:defRPr>
             </a:lvl6pPr>
-            <a:lvl7pPr marL="2057400" indent="0">
-              <a:buNone/>
-              <a:defRPr sz="1050">
+            <a:lvl7pPr marL="2743200" indent="0">
+              <a:buNone/>
+              <a:defRPr sz="1400">
                 <a:solidFill>
                   <a:schemeClr val="tx1">
                     <a:tint val="75000"/>
@@ -1015,9 +1024,9 @@
                 </a:solidFill>
               </a:defRPr>
             </a:lvl7pPr>
-            <a:lvl8pPr marL="2400300" indent="0">
-              <a:buNone/>
-              <a:defRPr sz="1050">
+            <a:lvl8pPr marL="3200400" indent="0">
+              <a:buNone/>
+              <a:defRPr sz="1400">
                 <a:solidFill>
                   <a:schemeClr val="tx1">
                     <a:tint val="75000"/>
@@ -1025,9 +1034,9 @@
                 </a:solidFill>
               </a:defRPr>
             </a:lvl8pPr>
-            <a:lvl9pPr marL="2743200" indent="0">
-              <a:buNone/>
-              <a:defRPr sz="1050">
+            <a:lvl9pPr marL="3657600" indent="0">
+              <a:buNone/>
+              <a:defRPr sz="1400">
                 <a:solidFill>
                   <a:schemeClr val="tx1">
                     <a:tint val="75000"/>
@@ -1039,7 +1048,7 @@
           <a:p>
             <a:pPr lvl="0"/>
             <a:r>
-              <a:rPr lang="en-US"/>
+              <a:rPr lang="en-US" smtClean="0"/>
               <a:t>Click to edit Master text styles</a:t>
             </a:r>
           </a:p>
@@ -1062,7 +1071,7 @@
           <a:p>
             <a:fld id="{241EB5C9-1307-BA42-ABA2-0BC069CD8E7F}" type="datetimeFigureOut">
               <a:rPr lang="en-US" smtClean="0"/>
-              <a:t>1/2/22</a:t>
+              <a:t>4/5/2019</a:t>
             </a:fld>
             <a:endParaRPr lang="en-US"/>
           </a:p>
@@ -1156,9 +1165,10 @@
           <a:lstStyle/>
           <a:p>
             <a:r>
-              <a:rPr lang="en-US"/>
+              <a:rPr lang="en-US" smtClean="0"/>
               <a:t>Click to edit Master title style</a:t>
             </a:r>
+            <a:endParaRPr lang="en-US"/>
           </a:p>
         </p:txBody>
       </p:sp>
@@ -1174,75 +1184,76 @@
         </p:nvSpPr>
         <p:spPr>
           <a:xfrm>
-            <a:off x="457200" y="1200151"/>
-            <a:ext cx="4038600" cy="3394472"/>
+            <a:off x="457200" y="1600200"/>
+            <a:ext cx="4038600" cy="4525963"/>
           </a:xfrm>
         </p:spPr>
         <p:txBody>
           <a:bodyPr/>
           <a:lstStyle>
             <a:lvl1pPr>
-              <a:defRPr sz="2100"/>
+              <a:defRPr sz="2800"/>
             </a:lvl1pPr>
             <a:lvl2pPr>
-              <a:defRPr sz="1800"/>
+              <a:defRPr sz="2400"/>
             </a:lvl2pPr>
             <a:lvl3pPr>
-              <a:defRPr sz="1500"/>
+              <a:defRPr sz="2000"/>
             </a:lvl3pPr>
             <a:lvl4pPr>
-              <a:defRPr sz="1350"/>
+              <a:defRPr sz="1800"/>
             </a:lvl4pPr>
             <a:lvl5pPr>
-              <a:defRPr sz="1350"/>
+              <a:defRPr sz="1800"/>
             </a:lvl5pPr>
             <a:lvl6pPr>
-              <a:defRPr sz="1350"/>
+              <a:defRPr sz="1800"/>
             </a:lvl6pPr>
             <a:lvl7pPr>
-              <a:defRPr sz="1350"/>
+              <a:defRPr sz="1800"/>
             </a:lvl7pPr>
             <a:lvl8pPr>
-              <a:defRPr sz="1350"/>
+              <a:defRPr sz="1800"/>
             </a:lvl8pPr>
             <a:lvl9pPr>
-              <a:defRPr sz="1350"/>
+              <a:defRPr sz="1800"/>
             </a:lvl9pPr>
           </a:lstStyle>
           <a:p>
             <a:pPr lvl="0"/>
             <a:r>
-              <a:rPr lang="en-US"/>
+              <a:rPr lang="en-US" smtClean="0"/>
               <a:t>Click to edit Master text styles</a:t>
             </a:r>
           </a:p>
           <a:p>
             <a:pPr lvl="1"/>
             <a:r>
-              <a:rPr lang="en-US"/>
+              <a:rPr lang="en-US" smtClean="0"/>
               <a:t>Second level</a:t>
             </a:r>
           </a:p>
           <a:p>
             <a:pPr lvl="2"/>
             <a:r>
-              <a:rPr lang="en-US"/>
+              <a:rPr lang="en-US" smtClean="0"/>
               <a:t>Third level</a:t>
             </a:r>
           </a:p>
           <a:p>
             <a:pPr lvl="3"/>
             <a:r>
-              <a:rPr lang="en-US"/>
+              <a:rPr lang="en-US" smtClean="0"/>
               <a:t>Fourth level</a:t>
             </a:r>
           </a:p>
           <a:p>
             <a:pPr lvl="4"/>
             <a:r>
-              <a:rPr lang="en-US"/>
+              <a:rPr lang="en-US" smtClean="0"/>
               <a:t>Fifth level</a:t>
             </a:r>
+            <a:endParaRPr lang="en-US"/>
           </a:p>
         </p:txBody>
       </p:sp>
@@ -1258,75 +1269,76 @@
         </p:nvSpPr>
         <p:spPr>
           <a:xfrm>
-            <a:off x="4648200" y="1200151"/>
-            <a:ext cx="4038600" cy="3394472"/>
+            <a:off x="4648200" y="1600200"/>
+            <a:ext cx="4038600" cy="4525963"/>
           </a:xfrm>
         </p:spPr>
         <p:txBody>
           <a:bodyPr/>
           <a:lstStyle>
             <a:lvl1pPr>
-              <a:defRPr sz="2100"/>
+              <a:defRPr sz="2800"/>
             </a:lvl1pPr>
             <a:lvl2pPr>
-              <a:defRPr sz="1800"/>
+              <a:defRPr sz="2400"/>
             </a:lvl2pPr>
             <a:lvl3pPr>
-              <a:defRPr sz="1500"/>
+              <a:defRPr sz="2000"/>
             </a:lvl3pPr>
             <a:lvl4pPr>
-              <a:defRPr sz="1350"/>
+              <a:defRPr sz="1800"/>
             </a:lvl4pPr>
             <a:lvl5pPr>
-              <a:defRPr sz="1350"/>
+              <a:defRPr sz="1800"/>
             </a:lvl5pPr>
             <a:lvl6pPr>
-              <a:defRPr sz="1350"/>
+              <a:defRPr sz="1800"/>
             </a:lvl6pPr>
             <a:lvl7pPr>
-              <a:defRPr sz="1350"/>
+              <a:defRPr sz="1800"/>
             </a:lvl7pPr>
             <a:lvl8pPr>
-              <a:defRPr sz="1350"/>
+              <a:defRPr sz="1800"/>
             </a:lvl8pPr>
             <a:lvl9pPr>
-              <a:defRPr sz="1350"/>
+              <a:defRPr sz="1800"/>
             </a:lvl9pPr>
           </a:lstStyle>
           <a:p>
             <a:pPr lvl="0"/>
             <a:r>
-              <a:rPr lang="en-US"/>
+              <a:rPr lang="en-US" smtClean="0"/>
               <a:t>Click to edit Master text styles</a:t>
             </a:r>
           </a:p>
           <a:p>
             <a:pPr lvl="1"/>
             <a:r>
-              <a:rPr lang="en-US"/>
+              <a:rPr lang="en-US" smtClean="0"/>
               <a:t>Second level</a:t>
             </a:r>
           </a:p>
           <a:p>
             <a:pPr lvl="2"/>
             <a:r>
-              <a:rPr lang="en-US"/>
+              <a:rPr lang="en-US" smtClean="0"/>
               <a:t>Third level</a:t>
             </a:r>
           </a:p>
           <a:p>
             <a:pPr lvl="3"/>
             <a:r>
-              <a:rPr lang="en-US"/>
+              <a:rPr lang="en-US" smtClean="0"/>
               <a:t>Fourth level</a:t>
             </a:r>
           </a:p>
           <a:p>
             <a:pPr lvl="4"/>
             <a:r>
-              <a:rPr lang="en-US"/>
+              <a:rPr lang="en-US" smtClean="0"/>
               <a:t>Fifth level</a:t>
             </a:r>
+            <a:endParaRPr lang="en-US"/>
           </a:p>
         </p:txBody>
       </p:sp>
@@ -1347,7 +1359,7 @@
           <a:p>
             <a:fld id="{241EB5C9-1307-BA42-ABA2-0BC069CD8E7F}" type="datetimeFigureOut">
               <a:rPr lang="en-US" smtClean="0"/>
-              <a:t>1/2/22</a:t>
+              <a:t>4/5/2019</a:t>
             </a:fld>
             <a:endParaRPr lang="en-US"/>
           </a:p>
@@ -1445,9 +1457,10 @@
           </a:lstStyle>
           <a:p>
             <a:r>
-              <a:rPr lang="en-US"/>
+              <a:rPr lang="en-US" smtClean="0"/>
               <a:t>Click to edit Master title style</a:t>
             </a:r>
+            <a:endParaRPr lang="en-US"/>
           </a:p>
         </p:txBody>
       </p:sp>
@@ -1463,8 +1476,8 @@
         </p:nvSpPr>
         <p:spPr>
           <a:xfrm>
-            <a:off x="457200" y="1151335"/>
-            <a:ext cx="4040188" cy="479822"/>
+            <a:off x="457200" y="1535113"/>
+            <a:ext cx="4040188" cy="639762"/>
           </a:xfrm>
         </p:spPr>
         <p:txBody>
@@ -1472,45 +1485,45 @@
           <a:lstStyle>
             <a:lvl1pPr marL="0" indent="0">
               <a:buNone/>
+              <a:defRPr sz="2400" b="1"/>
+            </a:lvl1pPr>
+            <a:lvl2pPr marL="457200" indent="0">
+              <a:buNone/>
+              <a:defRPr sz="2000" b="1"/>
+            </a:lvl2pPr>
+            <a:lvl3pPr marL="914400" indent="0">
+              <a:buNone/>
               <a:defRPr sz="1800" b="1"/>
-            </a:lvl1pPr>
-            <a:lvl2pPr marL="342900" indent="0">
-              <a:buNone/>
-              <a:defRPr sz="1500" b="1"/>
-            </a:lvl2pPr>
-            <a:lvl3pPr marL="685800" indent="0">
-              <a:buNone/>
-              <a:defRPr sz="1350" b="1"/>
             </a:lvl3pPr>
-            <a:lvl4pPr marL="1028700" indent="0">
-              <a:buNone/>
-              <a:defRPr sz="1200" b="1"/>
+            <a:lvl4pPr marL="1371600" indent="0">
+              <a:buNone/>
+              <a:defRPr sz="1600" b="1"/>
             </a:lvl4pPr>
-            <a:lvl5pPr marL="1371600" indent="0">
-              <a:buNone/>
-              <a:defRPr sz="1200" b="1"/>
+            <a:lvl5pPr marL="1828800" indent="0">
+              <a:buNone/>
+              <a:defRPr sz="1600" b="1"/>
             </a:lvl5pPr>
-            <a:lvl6pPr marL="1714500" indent="0">
-              <a:buNone/>
-              <a:defRPr sz="1200" b="1"/>
+            <a:lvl6pPr marL="2286000" indent="0">
+              <a:buNone/>
+              <a:defRPr sz="1600" b="1"/>
             </a:lvl6pPr>
-            <a:lvl7pPr marL="2057400" indent="0">
-              <a:buNone/>
-              <a:defRPr sz="1200" b="1"/>
+            <a:lvl7pPr marL="2743200" indent="0">
+              <a:buNone/>
+              <a:defRPr sz="1600" b="1"/>
             </a:lvl7pPr>
-            <a:lvl8pPr marL="2400300" indent="0">
-              <a:buNone/>
-              <a:defRPr sz="1200" b="1"/>
+            <a:lvl8pPr marL="3200400" indent="0">
+              <a:buNone/>
+              <a:defRPr sz="1600" b="1"/>
             </a:lvl8pPr>
-            <a:lvl9pPr marL="2743200" indent="0">
-              <a:buNone/>
-              <a:defRPr sz="1200" b="1"/>
+            <a:lvl9pPr marL="3657600" indent="0">
+              <a:buNone/>
+              <a:defRPr sz="1600" b="1"/>
             </a:lvl9pPr>
           </a:lstStyle>
           <a:p>
             <a:pPr lvl="0"/>
             <a:r>
-              <a:rPr lang="en-US"/>
+              <a:rPr lang="en-US" smtClean="0"/>
               <a:t>Click to edit Master text styles</a:t>
             </a:r>
           </a:p>
@@ -1528,75 +1541,76 @@
         </p:nvSpPr>
         <p:spPr>
           <a:xfrm>
-            <a:off x="457200" y="1631156"/>
-            <a:ext cx="4040188" cy="2963466"/>
+            <a:off x="457200" y="2174875"/>
+            <a:ext cx="4040188" cy="3951288"/>
           </a:xfrm>
         </p:spPr>
         <p:txBody>
           <a:bodyPr/>
           <a:lstStyle>
             <a:lvl1pPr>
-              <a:defRPr sz="1800"/>
+              <a:defRPr sz="2400"/>
             </a:lvl1pPr>
             <a:lvl2pPr>
-              <a:defRPr sz="1500"/>
+              <a:defRPr sz="2000"/>
             </a:lvl2pPr>
             <a:lvl3pPr>
-              <a:defRPr sz="1350"/>
+              <a:defRPr sz="1800"/>
             </a:lvl3pPr>
             <a:lvl4pPr>
-              <a:defRPr sz="1200"/>
+              <a:defRPr sz="1600"/>
             </a:lvl4pPr>
             <a:lvl5pPr>
-              <a:defRPr sz="1200"/>
+              <a:defRPr sz="1600"/>
             </a:lvl5pPr>
             <a:lvl6pPr>
-              <a:defRPr sz="1200"/>
+              <a:defRPr sz="1600"/>
             </a:lvl6pPr>
             <a:lvl7pPr>
-              <a:defRPr sz="1200"/>
+              <a:defRPr sz="1600"/>
             </a:lvl7pPr>
             <a:lvl8pPr>
-              <a:defRPr sz="1200"/>
+              <a:defRPr sz="1600"/>
             </a:lvl8pPr>
             <a:lvl9pPr>
-              <a:defRPr sz="1200"/>
+              <a:defRPr sz="1600"/>
             </a:lvl9pPr>
           </a:lstStyle>
           <a:p>
             <a:pPr lvl="0"/>
             <a:r>
-              <a:rPr lang="en-US"/>
+              <a:rPr lang="en-US" smtClean="0"/>
               <a:t>Click to edit Master text styles</a:t>
             </a:r>
           </a:p>
           <a:p>
             <a:pPr lvl="1"/>
             <a:r>
-              <a:rPr lang="en-US"/>
+              <a:rPr lang="en-US" smtClean="0"/>
               <a:t>Second level</a:t>
             </a:r>
           </a:p>
           <a:p>
             <a:pPr lvl="2"/>
             <a:r>
-              <a:rPr lang="en-US"/>
+              <a:rPr lang="en-US" smtClean="0"/>
               <a:t>Third level</a:t>
             </a:r>
           </a:p>
           <a:p>
             <a:pPr lvl="3"/>
             <a:r>
-              <a:rPr lang="en-US"/>
+              <a:rPr lang="en-US" smtClean="0"/>
               <a:t>Fourth level</a:t>
             </a:r>
           </a:p>
           <a:p>
             <a:pPr lvl="4"/>
             <a:r>
-              <a:rPr lang="en-US"/>
+              <a:rPr lang="en-US" smtClean="0"/>
               <a:t>Fifth level</a:t>
             </a:r>
+            <a:endParaRPr lang="en-US"/>
           </a:p>
         </p:txBody>
       </p:sp>
@@ -1612,8 +1626,8 @@
         </p:nvSpPr>
         <p:spPr>
           <a:xfrm>
-            <a:off x="4645026" y="1151335"/>
-            <a:ext cx="4041775" cy="479822"/>
+            <a:off x="4645025" y="1535113"/>
+            <a:ext cx="4041775" cy="639762"/>
           </a:xfrm>
         </p:spPr>
         <p:txBody>
@@ -1621,45 +1635,45 @@
           <a:lstStyle>
             <a:lvl1pPr marL="0" indent="0">
               <a:buNone/>
+              <a:defRPr sz="2400" b="1"/>
+            </a:lvl1pPr>
+            <a:lvl2pPr marL="457200" indent="0">
+              <a:buNone/>
+              <a:defRPr sz="2000" b="1"/>
+            </a:lvl2pPr>
+            <a:lvl3pPr marL="914400" indent="0">
+              <a:buNone/>
               <a:defRPr sz="1800" b="1"/>
-            </a:lvl1pPr>
-            <a:lvl2pPr marL="342900" indent="0">
-              <a:buNone/>
-              <a:defRPr sz="1500" b="1"/>
-            </a:lvl2pPr>
-            <a:lvl3pPr marL="685800" indent="0">
-              <a:buNone/>
-              <a:defRPr sz="1350" b="1"/>
             </a:lvl3pPr>
-            <a:lvl4pPr marL="1028700" indent="0">
-              <a:buNone/>
-              <a:defRPr sz="1200" b="1"/>
+            <a:lvl4pPr marL="1371600" indent="0">
+              <a:buNone/>
+              <a:defRPr sz="1600" b="1"/>
             </a:lvl4pPr>
-            <a:lvl5pPr marL="1371600" indent="0">
-              <a:buNone/>
-              <a:defRPr sz="1200" b="1"/>
+            <a:lvl5pPr marL="1828800" indent="0">
+              <a:buNone/>
+              <a:defRPr sz="1600" b="1"/>
             </a:lvl5pPr>
-            <a:lvl6pPr marL="1714500" indent="0">
-              <a:buNone/>
-              <a:defRPr sz="1200" b="1"/>
+            <a:lvl6pPr marL="2286000" indent="0">
+              <a:buNone/>
+              <a:defRPr sz="1600" b="1"/>
             </a:lvl6pPr>
-            <a:lvl7pPr marL="2057400" indent="0">
-              <a:buNone/>
-              <a:defRPr sz="1200" b="1"/>
+            <a:lvl7pPr marL="2743200" indent="0">
+              <a:buNone/>
+              <a:defRPr sz="1600" b="1"/>
             </a:lvl7pPr>
-            <a:lvl8pPr marL="2400300" indent="0">
-              <a:buNone/>
-              <a:defRPr sz="1200" b="1"/>
+            <a:lvl8pPr marL="3200400" indent="0">
+              <a:buNone/>
+              <a:defRPr sz="1600" b="1"/>
             </a:lvl8pPr>
-            <a:lvl9pPr marL="2743200" indent="0">
-              <a:buNone/>
-              <a:defRPr sz="1200" b="1"/>
+            <a:lvl9pPr marL="3657600" indent="0">
+              <a:buNone/>
+              <a:defRPr sz="1600" b="1"/>
             </a:lvl9pPr>
           </a:lstStyle>
           <a:p>
             <a:pPr lvl="0"/>
             <a:r>
-              <a:rPr lang="en-US"/>
+              <a:rPr lang="en-US" smtClean="0"/>
               <a:t>Click to edit Master text styles</a:t>
             </a:r>
           </a:p>
@@ -1677,75 +1691,76 @@
         </p:nvSpPr>
         <p:spPr>
           <a:xfrm>
-            <a:off x="4645026" y="1631156"/>
-            <a:ext cx="4041775" cy="2963466"/>
+            <a:off x="4645025" y="2174875"/>
+            <a:ext cx="4041775" cy="3951288"/>
           </a:xfrm>
         </p:spPr>
         <p:txBody>
           <a:bodyPr/>
           <a:lstStyle>
             <a:lvl1pPr>
-              <a:defRPr sz="1800"/>
+              <a:defRPr sz="2400"/>
             </a:lvl1pPr>
             <a:lvl2pPr>
-              <a:defRPr sz="1500"/>
+              <a:defRPr sz="2000"/>
             </a:lvl2pPr>
             <a:lvl3pPr>
-              <a:defRPr sz="1350"/>
+              <a:defRPr sz="1800"/>
             </a:lvl3pPr>
             <a:lvl4pPr>
-              <a:defRPr sz="1200"/>
+              <a:defRPr sz="1600"/>
             </a:lvl4pPr>
             <a:lvl5pPr>
-              <a:defRPr sz="1200"/>
+              <a:defRPr sz="1600"/>
             </a:lvl5pPr>
             <a:lvl6pPr>
-              <a:defRPr sz="1200"/>
+              <a:defRPr sz="1600"/>
             </a:lvl6pPr>
             <a:lvl7pPr>
-              <a:defRPr sz="1200"/>
+              <a:defRPr sz="1600"/>
             </a:lvl7pPr>
             <a:lvl8pPr>
-              <a:defRPr sz="1200"/>
+              <a:defRPr sz="1600"/>
             </a:lvl8pPr>
             <a:lvl9pPr>
-              <a:defRPr sz="1200"/>
+              <a:defRPr sz="1600"/>
             </a:lvl9pPr>
           </a:lstStyle>
           <a:p>
             <a:pPr lvl="0"/>
             <a:r>
-              <a:rPr lang="en-US"/>
+              <a:rPr lang="en-US" smtClean="0"/>
               <a:t>Click to edit Master text styles</a:t>
             </a:r>
           </a:p>
           <a:p>
             <a:pPr lvl="1"/>
             <a:r>
-              <a:rPr lang="en-US"/>
+              <a:rPr lang="en-US" smtClean="0"/>
               <a:t>Second level</a:t>
             </a:r>
           </a:p>
           <a:p>
             <a:pPr lvl="2"/>
             <a:r>
-              <a:rPr lang="en-US"/>
+              <a:rPr lang="en-US" smtClean="0"/>
               <a:t>Third level</a:t>
             </a:r>
           </a:p>
           <a:p>
             <a:pPr lvl="3"/>
             <a:r>
-              <a:rPr lang="en-US"/>
+              <a:rPr lang="en-US" smtClean="0"/>
               <a:t>Fourth level</a:t>
             </a:r>
           </a:p>
           <a:p>
             <a:pPr lvl="4"/>
             <a:r>
-              <a:rPr lang="en-US"/>
+              <a:rPr lang="en-US" smtClean="0"/>
               <a:t>Fifth level</a:t>
             </a:r>
+            <a:endParaRPr lang="en-US"/>
           </a:p>
         </p:txBody>
       </p:sp>
@@ -1766,7 +1781,7 @@
           <a:p>
             <a:fld id="{241EB5C9-1307-BA42-ABA2-0BC069CD8E7F}" type="datetimeFigureOut">
               <a:rPr lang="en-US" smtClean="0"/>
-              <a:t>1/2/22</a:t>
+              <a:t>4/5/2019</a:t>
             </a:fld>
             <a:endParaRPr lang="en-US"/>
           </a:p>
@@ -1860,9 +1875,10 @@
           <a:lstStyle/>
           <a:p>
             <a:r>
-              <a:rPr lang="en-US"/>
+              <a:rPr lang="en-US" smtClean="0"/>
               <a:t>Click to edit Master title style</a:t>
             </a:r>
+            <a:endParaRPr lang="en-US"/>
           </a:p>
         </p:txBody>
       </p:sp>
@@ -1883,7 +1899,7 @@
           <a:p>
             <a:fld id="{241EB5C9-1307-BA42-ABA2-0BC069CD8E7F}" type="datetimeFigureOut">
               <a:rPr lang="en-US" smtClean="0"/>
-              <a:t>1/2/22</a:t>
+              <a:t>4/5/2019</a:t>
             </a:fld>
             <a:endParaRPr lang="en-US"/>
           </a:p>
@@ -1978,7 +1994,7 @@
           <a:p>
             <a:fld id="{241EB5C9-1307-BA42-ABA2-0BC069CD8E7F}" type="datetimeFigureOut">
               <a:rPr lang="en-US" smtClean="0"/>
-              <a:t>1/2/22</a:t>
+              <a:t>4/5/2019</a:t>
             </a:fld>
             <a:endParaRPr lang="en-US"/>
           </a:p>
@@ -2068,22 +2084,23 @@
         </p:nvSpPr>
         <p:spPr>
           <a:xfrm>
-            <a:off x="457201" y="204787"/>
-            <a:ext cx="3008313" cy="871538"/>
+            <a:off x="457200" y="273050"/>
+            <a:ext cx="3008313" cy="1162050"/>
           </a:xfrm>
         </p:spPr>
         <p:txBody>
           <a:bodyPr anchor="b"/>
           <a:lstStyle>
             <a:lvl1pPr algn="l">
-              <a:defRPr sz="1500" b="1"/>
+              <a:defRPr sz="2000" b="1"/>
             </a:lvl1pPr>
           </a:lstStyle>
           <a:p>
             <a:r>
-              <a:rPr lang="en-US"/>
+              <a:rPr lang="en-US" smtClean="0"/>
               <a:t>Click to edit Master title style</a:t>
             </a:r>
+            <a:endParaRPr lang="en-US"/>
           </a:p>
         </p:txBody>
       </p:sp>
@@ -2099,75 +2116,76 @@
         </p:nvSpPr>
         <p:spPr>
           <a:xfrm>
-            <a:off x="3575050" y="204788"/>
-            <a:ext cx="5111750" cy="4389835"/>
+            <a:off x="3575050" y="273050"/>
+            <a:ext cx="5111750" cy="5853113"/>
           </a:xfrm>
         </p:spPr>
         <p:txBody>
           <a:bodyPr/>
           <a:lstStyle>
             <a:lvl1pPr>
-              <a:defRPr sz="2400"/>
+              <a:defRPr sz="3200"/>
             </a:lvl1pPr>
             <a:lvl2pPr>
-              <a:defRPr sz="2100"/>
+              <a:defRPr sz="2800"/>
             </a:lvl2pPr>
             <a:lvl3pPr>
-              <a:defRPr sz="1800"/>
+              <a:defRPr sz="2400"/>
             </a:lvl3pPr>
             <a:lvl4pPr>
-              <a:defRPr sz="1500"/>
+              <a:defRPr sz="2000"/>
             </a:lvl4pPr>
             <a:lvl5pPr>
-              <a:defRPr sz="1500"/>
+              <a:defRPr sz="2000"/>
             </a:lvl5pPr>
             <a:lvl6pPr>
-              <a:defRPr sz="1500"/>
+              <a:defRPr sz="2000"/>
             </a:lvl6pPr>
             <a:lvl7pPr>
-              <a:defRPr sz="1500"/>
+              <a:defRPr sz="2000"/>
             </a:lvl7pPr>
             <a:lvl8pPr>
-              <a:defRPr sz="1500"/>
+              <a:defRPr sz="2000"/>
             </a:lvl8pPr>
             <a:lvl9pPr>
-              <a:defRPr sz="1500"/>
+              <a:defRPr sz="2000"/>
             </a:lvl9pPr>
           </a:lstStyle>
           <a:p>
             <a:pPr lvl="0"/>
             <a:r>
-              <a:rPr lang="en-US"/>
+              <a:rPr lang="en-US" smtClean="0"/>
               <a:t>Click to edit Master text styles</a:t>
             </a:r>
           </a:p>
           <a:p>
             <a:pPr lvl="1"/>
             <a:r>
-              <a:rPr lang="en-US"/>
+              <a:rPr lang="en-US" smtClean="0"/>
               <a:t>Second level</a:t>
             </a:r>
           </a:p>
           <a:p>
             <a:pPr lvl="2"/>
             <a:r>
-              <a:rPr lang="en-US"/>
+              <a:rPr lang="en-US" smtClean="0"/>
               <a:t>Third level</a:t>
             </a:r>
           </a:p>
           <a:p>
             <a:pPr lvl="3"/>
             <a:r>
-              <a:rPr lang="en-US"/>
+              <a:rPr lang="en-US" smtClean="0"/>
               <a:t>Fourth level</a:t>
             </a:r>
           </a:p>
           <a:p>
             <a:pPr lvl="4"/>
             <a:r>
-              <a:rPr lang="en-US"/>
+              <a:rPr lang="en-US" smtClean="0"/>
               <a:t>Fifth level</a:t>
             </a:r>
+            <a:endParaRPr lang="en-US"/>
           </a:p>
         </p:txBody>
       </p:sp>
@@ -2183,8 +2201,8 @@
         </p:nvSpPr>
         <p:spPr>
           <a:xfrm>
-            <a:off x="457201" y="1076326"/>
-            <a:ext cx="3008313" cy="3518297"/>
+            <a:off x="457200" y="1435100"/>
+            <a:ext cx="3008313" cy="4691063"/>
           </a:xfrm>
         </p:spPr>
         <p:txBody>
@@ -2192,45 +2210,45 @@
           <a:lstStyle>
             <a:lvl1pPr marL="0" indent="0">
               <a:buNone/>
-              <a:defRPr sz="1050"/>
+              <a:defRPr sz="1400"/>
             </a:lvl1pPr>
-            <a:lvl2pPr marL="342900" indent="0">
+            <a:lvl2pPr marL="457200" indent="0">
+              <a:buNone/>
+              <a:defRPr sz="1200"/>
+            </a:lvl2pPr>
+            <a:lvl3pPr marL="914400" indent="0">
+              <a:buNone/>
+              <a:defRPr sz="1000"/>
+            </a:lvl3pPr>
+            <a:lvl4pPr marL="1371600" indent="0">
               <a:buNone/>
               <a:defRPr sz="900"/>
-            </a:lvl2pPr>
-            <a:lvl3pPr marL="685800" indent="0">
-              <a:buNone/>
-              <a:defRPr sz="750"/>
-            </a:lvl3pPr>
-            <a:lvl4pPr marL="1028700" indent="0">
-              <a:buNone/>
-              <a:defRPr sz="675"/>
             </a:lvl4pPr>
-            <a:lvl5pPr marL="1371600" indent="0">
-              <a:buNone/>
-              <a:defRPr sz="675"/>
+            <a:lvl5pPr marL="1828800" indent="0">
+              <a:buNone/>
+              <a:defRPr sz="900"/>
             </a:lvl5pPr>
-            <a:lvl6pPr marL="1714500" indent="0">
-              <a:buNone/>
-              <a:defRPr sz="675"/>
+            <a:lvl6pPr marL="2286000" indent="0">
+              <a:buNone/>
+              <a:defRPr sz="900"/>
             </a:lvl6pPr>
-            <a:lvl7pPr marL="2057400" indent="0">
-              <a:buNone/>
-              <a:defRPr sz="675"/>
+            <a:lvl7pPr marL="2743200" indent="0">
+              <a:buNone/>
+              <a:defRPr sz="900"/>
             </a:lvl7pPr>
-            <a:lvl8pPr marL="2400300" indent="0">
-              <a:buNone/>
-              <a:defRPr sz="675"/>
+            <a:lvl8pPr marL="3200400" indent="0">
+              <a:buNone/>
+              <a:defRPr sz="900"/>
             </a:lvl8pPr>
-            <a:lvl9pPr marL="2743200" indent="0">
-              <a:buNone/>
-              <a:defRPr sz="675"/>
+            <a:lvl9pPr marL="3657600" indent="0">
+              <a:buNone/>
+              <a:defRPr sz="900"/>
             </a:lvl9pPr>
           </a:lstStyle>
           <a:p>
             <a:pPr lvl="0"/>
             <a:r>
-              <a:rPr lang="en-US"/>
+              <a:rPr lang="en-US" smtClean="0"/>
               <a:t>Click to edit Master text styles</a:t>
             </a:r>
           </a:p>
@@ -2253,7 +2271,7 @@
           <a:p>
             <a:fld id="{241EB5C9-1307-BA42-ABA2-0BC069CD8E7F}" type="datetimeFigureOut">
               <a:rPr lang="en-US" smtClean="0"/>
-              <a:t>1/2/22</a:t>
+              <a:t>4/5/2019</a:t>
             </a:fld>
             <a:endParaRPr lang="en-US"/>
           </a:p>
@@ -2343,22 +2361,23 @@
         </p:nvSpPr>
         <p:spPr>
           <a:xfrm>
-            <a:off x="1792288" y="3600450"/>
-            <a:ext cx="5486400" cy="425054"/>
+            <a:off x="1792288" y="4800600"/>
+            <a:ext cx="5486400" cy="566738"/>
           </a:xfrm>
         </p:spPr>
         <p:txBody>
           <a:bodyPr anchor="b"/>
           <a:lstStyle>
             <a:lvl1pPr algn="l">
-              <a:defRPr sz="1500" b="1"/>
+              <a:defRPr sz="2000" b="1"/>
             </a:lvl1pPr>
           </a:lstStyle>
           <a:p>
             <a:r>
-              <a:rPr lang="en-US"/>
+              <a:rPr lang="en-US" smtClean="0"/>
               <a:t>Click to edit Master title style</a:t>
             </a:r>
+            <a:endParaRPr lang="en-US"/>
           </a:p>
         </p:txBody>
       </p:sp>
@@ -2374,8 +2393,8 @@
         </p:nvSpPr>
         <p:spPr>
           <a:xfrm>
-            <a:off x="1792288" y="459581"/>
-            <a:ext cx="5486400" cy="3086100"/>
+            <a:off x="1792288" y="612775"/>
+            <a:ext cx="5486400" cy="4114800"/>
           </a:xfrm>
         </p:spPr>
         <p:txBody>
@@ -2383,39 +2402,39 @@
           <a:lstStyle>
             <a:lvl1pPr marL="0" indent="0">
               <a:buNone/>
+              <a:defRPr sz="3200"/>
+            </a:lvl1pPr>
+            <a:lvl2pPr marL="457200" indent="0">
+              <a:buNone/>
+              <a:defRPr sz="2800"/>
+            </a:lvl2pPr>
+            <a:lvl3pPr marL="914400" indent="0">
+              <a:buNone/>
               <a:defRPr sz="2400"/>
-            </a:lvl1pPr>
-            <a:lvl2pPr marL="342900" indent="0">
-              <a:buNone/>
-              <a:defRPr sz="2100"/>
-            </a:lvl2pPr>
-            <a:lvl3pPr marL="685800" indent="0">
-              <a:buNone/>
-              <a:defRPr sz="1800"/>
             </a:lvl3pPr>
-            <a:lvl4pPr marL="1028700" indent="0">
-              <a:buNone/>
-              <a:defRPr sz="1500"/>
+            <a:lvl4pPr marL="1371600" indent="0">
+              <a:buNone/>
+              <a:defRPr sz="2000"/>
             </a:lvl4pPr>
-            <a:lvl5pPr marL="1371600" indent="0">
-              <a:buNone/>
-              <a:defRPr sz="1500"/>
+            <a:lvl5pPr marL="1828800" indent="0">
+              <a:buNone/>
+              <a:defRPr sz="2000"/>
             </a:lvl5pPr>
-            <a:lvl6pPr marL="1714500" indent="0">
-              <a:buNone/>
-              <a:defRPr sz="1500"/>
+            <a:lvl6pPr marL="2286000" indent="0">
+              <a:buNone/>
+              <a:defRPr sz="2000"/>
             </a:lvl6pPr>
-            <a:lvl7pPr marL="2057400" indent="0">
-              <a:buNone/>
-              <a:defRPr sz="1500"/>
+            <a:lvl7pPr marL="2743200" indent="0">
+              <a:buNone/>
+              <a:defRPr sz="2000"/>
             </a:lvl7pPr>
-            <a:lvl8pPr marL="2400300" indent="0">
-              <a:buNone/>
-              <a:defRPr sz="1500"/>
+            <a:lvl8pPr marL="3200400" indent="0">
+              <a:buNone/>
+              <a:defRPr sz="2000"/>
             </a:lvl8pPr>
-            <a:lvl9pPr marL="2743200" indent="0">
-              <a:buNone/>
-              <a:defRPr sz="1500"/>
+            <a:lvl9pPr marL="3657600" indent="0">
+              <a:buNone/>
+              <a:defRPr sz="2000"/>
             </a:lvl9pPr>
           </a:lstStyle>
           <a:p>
@@ -2435,8 +2454,8 @@
         </p:nvSpPr>
         <p:spPr>
           <a:xfrm>
-            <a:off x="1792288" y="4025503"/>
-            <a:ext cx="5486400" cy="603647"/>
+            <a:off x="1792288" y="5367338"/>
+            <a:ext cx="5486400" cy="804862"/>
           </a:xfrm>
         </p:spPr>
         <p:txBody>
@@ -2444,45 +2463,45 @@
           <a:lstStyle>
             <a:lvl1pPr marL="0" indent="0">
               <a:buNone/>
-              <a:defRPr sz="1050"/>
+              <a:defRPr sz="1400"/>
             </a:lvl1pPr>
-            <a:lvl2pPr marL="342900" indent="0">
+            <a:lvl2pPr marL="457200" indent="0">
+              <a:buNone/>
+              <a:defRPr sz="1200"/>
+            </a:lvl2pPr>
+            <a:lvl3pPr marL="914400" indent="0">
+              <a:buNone/>
+              <a:defRPr sz="1000"/>
+            </a:lvl3pPr>
+            <a:lvl4pPr marL="1371600" indent="0">
               <a:buNone/>
               <a:defRPr sz="900"/>
-            </a:lvl2pPr>
-            <a:lvl3pPr marL="685800" indent="0">
-              <a:buNone/>
-              <a:defRPr sz="750"/>
-            </a:lvl3pPr>
-            <a:lvl4pPr marL="1028700" indent="0">
-              <a:buNone/>
-              <a:defRPr sz="675"/>
             </a:lvl4pPr>
-            <a:lvl5pPr marL="1371600" indent="0">
-              <a:buNone/>
-              <a:defRPr sz="675"/>
+            <a:lvl5pPr marL="1828800" indent="0">
+              <a:buNone/>
+              <a:defRPr sz="900"/>
             </a:lvl5pPr>
-            <a:lvl6pPr marL="1714500" indent="0">
-              <a:buNone/>
-              <a:defRPr sz="675"/>
+            <a:lvl6pPr marL="2286000" indent="0">
+              <a:buNone/>
+              <a:defRPr sz="900"/>
             </a:lvl6pPr>
-            <a:lvl7pPr marL="2057400" indent="0">
-              <a:buNone/>
-              <a:defRPr sz="675"/>
+            <a:lvl7pPr marL="2743200" indent="0">
+              <a:buNone/>
+              <a:defRPr sz="900"/>
             </a:lvl7pPr>
-            <a:lvl8pPr marL="2400300" indent="0">
-              <a:buNone/>
-              <a:defRPr sz="675"/>
+            <a:lvl8pPr marL="3200400" indent="0">
+              <a:buNone/>
+              <a:defRPr sz="900"/>
             </a:lvl8pPr>
-            <a:lvl9pPr marL="2743200" indent="0">
-              <a:buNone/>
-              <a:defRPr sz="675"/>
+            <a:lvl9pPr marL="3657600" indent="0">
+              <a:buNone/>
+              <a:defRPr sz="900"/>
             </a:lvl9pPr>
           </a:lstStyle>
           <a:p>
             <a:pPr lvl="0"/>
             <a:r>
-              <a:rPr lang="en-US"/>
+              <a:rPr lang="en-US" smtClean="0"/>
               <a:t>Click to edit Master text styles</a:t>
             </a:r>
           </a:p>
@@ -2505,7 +2524,7 @@
           <a:p>
             <a:fld id="{241EB5C9-1307-BA42-ABA2-0BC069CD8E7F}" type="datetimeFigureOut">
               <a:rPr lang="en-US" smtClean="0"/>
-              <a:t>1/2/22</a:t>
+              <a:t>4/5/2019</a:t>
             </a:fld>
             <a:endParaRPr lang="en-US"/>
           </a:p>
@@ -2567,7 +2586,7 @@
 </file>
 
 <file path=ppt/slideMasters/slideMaster1.xml><?xml version="1.0" encoding="utf-8"?>
-<p:sldMaster xmlns:a="http://schemas.openxmlformats.org/drawingml/2006/main" xmlns:p="http://schemas.openxmlformats.org/presentationml/2006/main" xmlns:r="http://schemas.openxmlformats.org/officeDocument/2006/relationships">
+<p:sldMaster xmlns:a="http://schemas.openxmlformats.org/drawingml/2006/main" xmlns:r="http://schemas.openxmlformats.org/officeDocument/2006/relationships" xmlns:p="http://schemas.openxmlformats.org/presentationml/2006/main">
   <p:cSld>
     <p:bg>
       <p:bgRef idx="1001">
@@ -2600,23 +2619,24 @@
         </p:nvSpPr>
         <p:spPr>
           <a:xfrm>
-            <a:off x="457200" y="205979"/>
-            <a:ext cx="8229600" cy="857250"/>
+            <a:off x="457200" y="274638"/>
+            <a:ext cx="8229600" cy="1143000"/>
           </a:xfrm>
           <a:prstGeom prst="rect">
             <a:avLst/>
           </a:prstGeom>
         </p:spPr>
         <p:txBody>
-          <a:bodyPr anchor="ctr" bIns="45720" lIns="91440" rIns="91440" rtlCol="0" tIns="45720" vert="horz">
+          <a:bodyPr vert="horz" lIns="91440" tIns="45720" rIns="91440" bIns="45720" rtlCol="0" anchor="ctr">
             <a:normAutofit/>
           </a:bodyPr>
           <a:lstStyle/>
           <a:p>
             <a:r>
-              <a:rPr lang="en-US"/>
+              <a:rPr lang="en-US" smtClean="0"/>
               <a:t>Click to edit Master title style</a:t>
             </a:r>
+            <a:endParaRPr lang="en-US"/>
           </a:p>
         </p:txBody>
       </p:sp>
@@ -2627,57 +2647,58 @@
             <a:spLocks noGrp="1"/>
           </p:cNvSpPr>
           <p:nvPr>
-            <p:ph idx="1" type="body"/>
+            <p:ph type="body" idx="1"/>
           </p:nvPr>
         </p:nvSpPr>
         <p:spPr>
           <a:xfrm>
-            <a:off x="457200" y="1200151"/>
-            <a:ext cx="8229600" cy="3394472"/>
+            <a:off x="457200" y="1600200"/>
+            <a:ext cx="8229600" cy="4525963"/>
           </a:xfrm>
           <a:prstGeom prst="rect">
             <a:avLst/>
           </a:prstGeom>
         </p:spPr>
         <p:txBody>
-          <a:bodyPr bIns="45720" lIns="91440" rIns="91440" rtlCol="0" tIns="45720" vert="horz">
+          <a:bodyPr vert="horz" lIns="91440" tIns="45720" rIns="91440" bIns="45720" rtlCol="0">
             <a:normAutofit/>
           </a:bodyPr>
           <a:lstStyle/>
           <a:p>
             <a:pPr lvl="0"/>
             <a:r>
-              <a:rPr lang="en-US"/>
+              <a:rPr lang="en-US" smtClean="0"/>
               <a:t>Click to edit Master text styles</a:t>
             </a:r>
           </a:p>
           <a:p>
             <a:pPr lvl="1"/>
             <a:r>
-              <a:rPr lang="en-US"/>
+              <a:rPr lang="en-US" smtClean="0"/>
               <a:t>Second level</a:t>
             </a:r>
           </a:p>
           <a:p>
             <a:pPr lvl="2"/>
             <a:r>
-              <a:rPr lang="en-US"/>
+              <a:rPr lang="en-US" smtClean="0"/>
               <a:t>Third level</a:t>
             </a:r>
           </a:p>
           <a:p>
             <a:pPr lvl="3"/>
             <a:r>
-              <a:rPr lang="en-US"/>
+              <a:rPr lang="en-US" smtClean="0"/>
               <a:t>Fourth level</a:t>
             </a:r>
           </a:p>
           <a:p>
             <a:pPr lvl="4"/>
             <a:r>
-              <a:rPr lang="en-US"/>
+              <a:rPr lang="en-US" smtClean="0"/>
               <a:t>Fifth level</a:t>
             </a:r>
+            <a:endParaRPr lang="en-US"/>
           </a:p>
         </p:txBody>
       </p:sp>
@@ -2688,23 +2709,23 @@
             <a:spLocks noGrp="1"/>
           </p:cNvSpPr>
           <p:nvPr>
-            <p:ph idx="2" sz="half" type="dt"/>
+            <p:ph type="dt" sz="half" idx="2"/>
           </p:nvPr>
         </p:nvSpPr>
         <p:spPr>
           <a:xfrm>
-            <a:off x="457200" y="4767263"/>
-            <a:ext cx="2133600" cy="273844"/>
+            <a:off x="457200" y="6356350"/>
+            <a:ext cx="2133600" cy="365125"/>
           </a:xfrm>
           <a:prstGeom prst="rect">
             <a:avLst/>
           </a:prstGeom>
         </p:spPr>
         <p:txBody>
-          <a:bodyPr anchor="ctr" bIns="45720" lIns="91440" rIns="91440" rtlCol="0" tIns="45720" vert="horz"/>
+          <a:bodyPr vert="horz" lIns="91440" tIns="45720" rIns="91440" bIns="45720" rtlCol="0" anchor="ctr"/>
           <a:lstStyle>
             <a:lvl1pPr algn="l">
-              <a:defRPr sz="900">
+              <a:defRPr sz="1200">
                 <a:solidFill>
                   <a:schemeClr val="tx1">
                     <a:tint val="75000"/>
@@ -2716,7 +2737,7 @@
           <a:p>
             <a:fld id="{241EB5C9-1307-BA42-ABA2-0BC069CD8E7F}" type="datetimeFigureOut">
               <a:rPr lang="en-US" smtClean="0"/>
-              <a:t>1/2/22</a:t>
+              <a:t>4/5/2019</a:t>
             </a:fld>
             <a:endParaRPr lang="en-US"/>
           </a:p>
@@ -2729,23 +2750,23 @@
             <a:spLocks noGrp="1"/>
           </p:cNvSpPr>
           <p:nvPr>
-            <p:ph idx="3" sz="quarter" type="ftr"/>
+            <p:ph type="ftr" sz="quarter" idx="3"/>
           </p:nvPr>
         </p:nvSpPr>
         <p:spPr>
           <a:xfrm>
-            <a:off x="3124200" y="4767263"/>
-            <a:ext cx="2895600" cy="273844"/>
+            <a:off x="3124200" y="6356350"/>
+            <a:ext cx="2895600" cy="365125"/>
           </a:xfrm>
           <a:prstGeom prst="rect">
             <a:avLst/>
           </a:prstGeom>
         </p:spPr>
         <p:txBody>
-          <a:bodyPr anchor="ctr" bIns="45720" lIns="91440" rIns="91440" rtlCol="0" tIns="45720" vert="horz"/>
+          <a:bodyPr vert="horz" lIns="91440" tIns="45720" rIns="91440" bIns="45720" rtlCol="0" anchor="ctr"/>
           <a:lstStyle>
             <a:lvl1pPr algn="ctr">
-              <a:defRPr sz="900">
+              <a:defRPr sz="1200">
                 <a:solidFill>
                   <a:schemeClr val="tx1">
                     <a:tint val="75000"/>
@@ -2766,23 +2787,23 @@
             <a:spLocks noGrp="1"/>
           </p:cNvSpPr>
           <p:nvPr>
-            <p:ph idx="4" sz="quarter" type="sldNum"/>
+            <p:ph type="sldNum" sz="quarter" idx="4"/>
           </p:nvPr>
         </p:nvSpPr>
         <p:spPr>
           <a:xfrm>
-            <a:off x="6553200" y="4767263"/>
-            <a:ext cx="2133600" cy="273844"/>
+            <a:off x="6553200" y="6356350"/>
+            <a:ext cx="2133600" cy="365125"/>
           </a:xfrm>
           <a:prstGeom prst="rect">
             <a:avLst/>
           </a:prstGeom>
         </p:spPr>
         <p:txBody>
-          <a:bodyPr anchor="ctr" bIns="45720" lIns="91440" rIns="91440" rtlCol="0" tIns="45720" vert="horz"/>
+          <a:bodyPr vert="horz" lIns="91440" tIns="45720" rIns="91440" bIns="45720" rtlCol="0" anchor="ctr"/>
           <a:lstStyle>
             <a:lvl1pPr algn="r">
-              <a:defRPr sz="900">
+              <a:defRPr sz="1200">
                 <a:solidFill>
                   <a:schemeClr val="tx1">
                     <a:tint val="75000"/>
@@ -2807,7 +2828,7 @@
       </p:ext>
     </p:extLst>
   </p:cSld>
-  <p:clrMap accent1="accent1" accent2="accent2" accent3="accent3" accent4="accent4" accent5="accent5" accent6="accent6" bg1="lt1" bg2="lt2" folHlink="folHlink" hlink="hlink" tx1="dk1" tx2="dk2"/>
+  <p:clrMap bg1="lt1" tx1="dk1" bg2="lt2" tx2="dk2" accent1="accent1" accent2="accent2" accent3="accent3" accent4="accent4" accent5="accent5" accent6="accent6" hlink="hlink" folHlink="folHlink"/>
   <p:sldLayoutIdLst>
     <p:sldLayoutId id="2147483649" r:id="rId1"/>
     <p:sldLayoutId id="2147483650" r:id="rId2"/>
@@ -2823,12 +2844,12 @@
   </p:sldLayoutIdLst>
   <p:txStyles>
     <p:titleStyle>
-      <a:lvl1pPr algn="ctr" defTabSz="342900" eaLnBrk="1" hangingPunct="1" latinLnBrk="0" rtl="0">
+      <a:lvl1pPr algn="ctr" defTabSz="457200" rtl="0" eaLnBrk="1" latinLnBrk="0" hangingPunct="1">
         <a:spcBef>
           <a:spcPct val="0"/>
         </a:spcBef>
         <a:buNone/>
-        <a:defRPr kern="1200" sz="3300">
+        <a:defRPr sz="4400" kern="1200">
           <a:solidFill>
             <a:schemeClr val="tx1"/>
           </a:solidFill>
@@ -2839,13 +2860,13 @@
       </a:lvl1pPr>
     </p:titleStyle>
     <p:bodyStyle>
-      <a:lvl1pPr algn="l" defTabSz="342900" eaLnBrk="1" hangingPunct="1" indent="-342900" latinLnBrk="0" marL="342900" rtl="0">
+      <a:lvl1pPr marL="342900" indent="-342900" algn="l" defTabSz="457200" rtl="0" eaLnBrk="1" latinLnBrk="0" hangingPunct="1">
         <a:spcBef>
           <a:spcPct val="20000"/>
         </a:spcBef>
         <a:buFont typeface="Arial"/>
         <a:buChar char="•"/>
-        <a:defRPr kern="1200" sz="2400">
+        <a:defRPr sz="3200" kern="1200">
           <a:solidFill>
             <a:schemeClr val="tx1"/>
           </a:solidFill>
@@ -2854,13 +2875,13 @@
           <a:cs typeface="+mn-cs"/>
         </a:defRPr>
       </a:lvl1pPr>
-      <a:lvl2pPr algn="l" defTabSz="342900" eaLnBrk="1" hangingPunct="1" indent="-342900" latinLnBrk="0" marL="685800" rtl="0">
+      <a:lvl2pPr marL="742950" indent="-285750" algn="l" defTabSz="457200" rtl="0" eaLnBrk="1" latinLnBrk="0" hangingPunct="1">
         <a:spcBef>
           <a:spcPct val="20000"/>
         </a:spcBef>
         <a:buFont typeface="Arial"/>
         <a:buChar char="–"/>
-        <a:defRPr kern="1200" sz="2100">
+        <a:defRPr sz="2800" kern="1200">
           <a:solidFill>
             <a:schemeClr val="tx1"/>
           </a:solidFill>
@@ -2869,13 +2890,13 @@
           <a:cs typeface="+mn-cs"/>
         </a:defRPr>
       </a:lvl2pPr>
-      <a:lvl3pPr algn="l" defTabSz="342900" eaLnBrk="1" hangingPunct="1" indent="-342900" latinLnBrk="0" marL="1028700" rtl="0">
+      <a:lvl3pPr marL="1143000" indent="-228600" algn="l" defTabSz="457200" rtl="0" eaLnBrk="1" latinLnBrk="0" hangingPunct="1">
         <a:spcBef>
           <a:spcPct val="20000"/>
         </a:spcBef>
         <a:buFont typeface="Arial"/>
         <a:buChar char="•"/>
-        <a:defRPr kern="1200" sz="1800">
+        <a:defRPr sz="2400" kern="1200">
           <a:solidFill>
             <a:schemeClr val="tx1"/>
           </a:solidFill>
@@ -2884,13 +2905,13 @@
           <a:cs typeface="+mn-cs"/>
         </a:defRPr>
       </a:lvl3pPr>
-      <a:lvl4pPr algn="l" defTabSz="342900" eaLnBrk="1" hangingPunct="1" indent="-342900" latinLnBrk="0" marL="1371600" rtl="0">
+      <a:lvl4pPr marL="1600200" indent="-228600" algn="l" defTabSz="457200" rtl="0" eaLnBrk="1" latinLnBrk="0" hangingPunct="1">
         <a:spcBef>
           <a:spcPct val="20000"/>
         </a:spcBef>
         <a:buFont typeface="Arial"/>
         <a:buChar char="–"/>
-        <a:defRPr kern="1200" sz="1500">
+        <a:defRPr sz="2000" kern="1200">
           <a:solidFill>
             <a:schemeClr val="tx1"/>
           </a:solidFill>
@@ -2899,13 +2920,13 @@
           <a:cs typeface="+mn-cs"/>
         </a:defRPr>
       </a:lvl4pPr>
-      <a:lvl5pPr algn="l" defTabSz="342900" eaLnBrk="1" hangingPunct="1" indent="-342900" latinLnBrk="0" marL="1714500" rtl="0">
+      <a:lvl5pPr marL="2057400" indent="-228600" algn="l" defTabSz="457200" rtl="0" eaLnBrk="1" latinLnBrk="0" hangingPunct="1">
         <a:spcBef>
           <a:spcPct val="20000"/>
         </a:spcBef>
         <a:buFont typeface="Arial"/>
         <a:buChar char="»"/>
-        <a:defRPr kern="1200" sz="1500">
+        <a:defRPr sz="2000" kern="1200">
           <a:solidFill>
             <a:schemeClr val="tx1"/>
           </a:solidFill>
@@ -2914,13 +2935,13 @@
           <a:cs typeface="+mn-cs"/>
         </a:defRPr>
       </a:lvl5pPr>
-      <a:lvl6pPr algn="l" defTabSz="342900" eaLnBrk="1" hangingPunct="1" indent="-342900" latinLnBrk="0" marL="2057400" rtl="0">
+      <a:lvl6pPr marL="2514600" indent="-228600" algn="l" defTabSz="457200" rtl="0" eaLnBrk="1" latinLnBrk="0" hangingPunct="1">
         <a:spcBef>
           <a:spcPct val="20000"/>
         </a:spcBef>
         <a:buFont typeface="Arial"/>
         <a:buChar char="•"/>
-        <a:defRPr kern="1200" sz="1500">
+        <a:defRPr sz="2000" kern="1200">
           <a:solidFill>
             <a:schemeClr val="tx1"/>
           </a:solidFill>
@@ -2929,13 +2950,13 @@
           <a:cs typeface="+mn-cs"/>
         </a:defRPr>
       </a:lvl6pPr>
-      <a:lvl7pPr algn="l" defTabSz="342900" eaLnBrk="1" hangingPunct="1" indent="-342900" latinLnBrk="0" marL="2400300" rtl="0">
+      <a:lvl7pPr marL="2971800" indent="-228600" algn="l" defTabSz="457200" rtl="0" eaLnBrk="1" latinLnBrk="0" hangingPunct="1">
         <a:spcBef>
           <a:spcPct val="20000"/>
         </a:spcBef>
         <a:buFont typeface="Arial"/>
         <a:buChar char="•"/>
-        <a:defRPr kern="1200" sz="1500">
+        <a:defRPr sz="2000" kern="1200">
           <a:solidFill>
             <a:schemeClr val="tx1"/>
           </a:solidFill>
@@ -2944,13 +2965,13 @@
           <a:cs typeface="+mn-cs"/>
         </a:defRPr>
       </a:lvl7pPr>
-      <a:lvl8pPr algn="l" defTabSz="342900" eaLnBrk="1" hangingPunct="1" indent="-342900" latinLnBrk="0" marL="2743200" rtl="0">
+      <a:lvl8pPr marL="3429000" indent="-228600" algn="l" defTabSz="457200" rtl="0" eaLnBrk="1" latinLnBrk="0" hangingPunct="1">
         <a:spcBef>
           <a:spcPct val="20000"/>
         </a:spcBef>
         <a:buFont typeface="Arial"/>
         <a:buChar char="•"/>
-        <a:defRPr kern="1200" sz="1500">
+        <a:defRPr sz="2000" kern="1200">
           <a:solidFill>
             <a:schemeClr val="tx1"/>
           </a:solidFill>
@@ -2959,13 +2980,13 @@
           <a:cs typeface="+mn-cs"/>
         </a:defRPr>
       </a:lvl8pPr>
-      <a:lvl9pPr algn="l" defTabSz="342900" eaLnBrk="1" hangingPunct="1" indent="-342900" latinLnBrk="0" marL="3086100" rtl="0">
+      <a:lvl9pPr marL="3886200" indent="-228600" algn="l" defTabSz="457200" rtl="0" eaLnBrk="1" latinLnBrk="0" hangingPunct="1">
         <a:spcBef>
           <a:spcPct val="20000"/>
         </a:spcBef>
         <a:buFont typeface="Arial"/>
         <a:buChar char="•"/>
-        <a:defRPr kern="1200" sz="1500">
+        <a:defRPr sz="2000" kern="1200">
           <a:solidFill>
             <a:schemeClr val="tx1"/>
           </a:solidFill>
@@ -2979,8 +3000,8 @@
       <a:defPPr>
         <a:defRPr lang="en-US"/>
       </a:defPPr>
-      <a:lvl1pPr algn="l" defTabSz="342900" eaLnBrk="1" hangingPunct="1" latinLnBrk="0" marL="0" rtl="0">
-        <a:defRPr kern="1200" sz="1350">
+      <a:lvl1pPr marL="0" algn="l" defTabSz="457200" rtl="0" eaLnBrk="1" latinLnBrk="0" hangingPunct="1">
+        <a:defRPr sz="1800" kern="1200">
           <a:solidFill>
             <a:schemeClr val="tx1"/>
           </a:solidFill>
@@ -2989,8 +3010,8 @@
           <a:cs typeface="+mn-cs"/>
         </a:defRPr>
       </a:lvl1pPr>
-      <a:lvl2pPr algn="l" defTabSz="342900" eaLnBrk="1" hangingPunct="1" latinLnBrk="0" marL="342900" rtl="0">
-        <a:defRPr kern="1200" sz="1350">
+      <a:lvl2pPr marL="457200" algn="l" defTabSz="457200" rtl="0" eaLnBrk="1" latinLnBrk="0" hangingPunct="1">
+        <a:defRPr sz="1800" kern="1200">
           <a:solidFill>
             <a:schemeClr val="tx1"/>
           </a:solidFill>
@@ -2999,8 +3020,8 @@
           <a:cs typeface="+mn-cs"/>
         </a:defRPr>
       </a:lvl2pPr>
-      <a:lvl3pPr algn="l" defTabSz="342900" eaLnBrk="1" hangingPunct="1" latinLnBrk="0" marL="685800" rtl="0">
-        <a:defRPr kern="1200" sz="1350">
+      <a:lvl3pPr marL="914400" algn="l" defTabSz="457200" rtl="0" eaLnBrk="1" latinLnBrk="0" hangingPunct="1">
+        <a:defRPr sz="1800" kern="1200">
           <a:solidFill>
             <a:schemeClr val="tx1"/>
           </a:solidFill>
@@ -3009,8 +3030,8 @@
           <a:cs typeface="+mn-cs"/>
         </a:defRPr>
       </a:lvl3pPr>
-      <a:lvl4pPr algn="l" defTabSz="342900" eaLnBrk="1" hangingPunct="1" latinLnBrk="0" marL="1028700" rtl="0">
-        <a:defRPr kern="1200" sz="1350">
+      <a:lvl4pPr marL="1371600" algn="l" defTabSz="457200" rtl="0" eaLnBrk="1" latinLnBrk="0" hangingPunct="1">
+        <a:defRPr sz="1800" kern="1200">
           <a:solidFill>
             <a:schemeClr val="tx1"/>
           </a:solidFill>
@@ -3019,8 +3040,8 @@
           <a:cs typeface="+mn-cs"/>
         </a:defRPr>
       </a:lvl4pPr>
-      <a:lvl5pPr algn="l" defTabSz="342900" eaLnBrk="1" hangingPunct="1" latinLnBrk="0" marL="1371600" rtl="0">
-        <a:defRPr kern="1200" sz="1350">
+      <a:lvl5pPr marL="1828800" algn="l" defTabSz="457200" rtl="0" eaLnBrk="1" latinLnBrk="0" hangingPunct="1">
+        <a:defRPr sz="1800" kern="1200">
           <a:solidFill>
             <a:schemeClr val="tx1"/>
           </a:solidFill>
@@ -3029,8 +3050,8 @@
           <a:cs typeface="+mn-cs"/>
         </a:defRPr>
       </a:lvl5pPr>
-      <a:lvl6pPr algn="l" defTabSz="342900" eaLnBrk="1" hangingPunct="1" latinLnBrk="0" marL="1714500" rtl="0">
-        <a:defRPr kern="1200" sz="1350">
+      <a:lvl6pPr marL="2286000" algn="l" defTabSz="457200" rtl="0" eaLnBrk="1" latinLnBrk="0" hangingPunct="1">
+        <a:defRPr sz="1800" kern="1200">
           <a:solidFill>
             <a:schemeClr val="tx1"/>
           </a:solidFill>
@@ -3039,8 +3060,8 @@
           <a:cs typeface="+mn-cs"/>
         </a:defRPr>
       </a:lvl6pPr>
-      <a:lvl7pPr algn="l" defTabSz="342900" eaLnBrk="1" hangingPunct="1" latinLnBrk="0" marL="2057400" rtl="0">
-        <a:defRPr kern="1200" sz="1350">
+      <a:lvl7pPr marL="2743200" algn="l" defTabSz="457200" rtl="0" eaLnBrk="1" latinLnBrk="0" hangingPunct="1">
+        <a:defRPr sz="1800" kern="1200">
           <a:solidFill>
             <a:schemeClr val="tx1"/>
           </a:solidFill>
@@ -3049,8 +3070,8 @@
           <a:cs typeface="+mn-cs"/>
         </a:defRPr>
       </a:lvl7pPr>
-      <a:lvl8pPr algn="l" defTabSz="342900" eaLnBrk="1" hangingPunct="1" latinLnBrk="0" marL="2400300" rtl="0">
-        <a:defRPr kern="1200" sz="1350">
+      <a:lvl8pPr marL="3200400" algn="l" defTabSz="457200" rtl="0" eaLnBrk="1" latinLnBrk="0" hangingPunct="1">
+        <a:defRPr sz="1800" kern="1200">
           <a:solidFill>
             <a:schemeClr val="tx1"/>
           </a:solidFill>
@@ -3059,8 +3080,8 @@
           <a:cs typeface="+mn-cs"/>
         </a:defRPr>
       </a:lvl8pPr>
-      <a:lvl9pPr algn="l" defTabSz="342900" eaLnBrk="1" hangingPunct="1" latinLnBrk="0" marL="2743200" rtl="0">
-        <a:defRPr kern="1200" sz="1350">
+      <a:lvl9pPr marL="3657600" algn="l" defTabSz="457200" rtl="0" eaLnBrk="1" latinLnBrk="0" hangingPunct="1">
+        <a:defRPr sz="1800" kern="1200">
           <a:solidFill>
             <a:schemeClr val="tx1"/>
           </a:solidFill>
@@ -3106,12 +3127,12 @@
           <a:bodyPr/>
           <a:lstStyle/>
           <a:p>
-            <a:pPr lvl="0" indent="0" marL="0">
+            <a:pPr lvl="0" marL="0" indent="0">
               <a:buNone/>
             </a:pPr>
             <a:r>
               <a:rPr/>
-              <a:t>  Python les-materialen</a:t>
+              <a:t>  Python les-materialen  Yilmaz Mustafa, Instructeur Java/Python</a:t>
             </a:r>
           </a:p>
         </p:txBody>
@@ -3153,7 +3174,7 @@
           <a:bodyPr/>
           <a:lstStyle/>
           <a:p>
-            <a:pPr lvl="0" indent="0" marL="0">
+            <a:pPr lvl="0" marL="0" indent="0">
               <a:buNone/>
             </a:pPr>
             <a:r>
@@ -3178,7 +3199,7 @@
           <a:bodyPr/>
           <a:lstStyle/>
           <a:p>
-            <a:pPr lvl="0" indent="0" marL="0">
+            <a:pPr lvl="0" marL="0" indent="0">
               <a:buNone/>
             </a:pPr>
             <a:r>
@@ -3211,7 +3232,7 @@
             </a:r>
           </a:p>
           <a:p>
-            <a:pPr lvl="0" indent="0" marL="0">
+            <a:pPr lvl="0" marL="0" indent="0">
               <a:buNone/>
             </a:pPr>
             <a:r>
@@ -3234,7 +3255,7 @@
             </a:r>
           </a:p>
           <a:p>
-            <a:pPr lvl="0" indent="0" marL="0">
+            <a:pPr lvl="0" marL="0" indent="0">
               <a:buNone/>
             </a:pPr>
             <a:r>
@@ -3243,7 +3264,7 @@
             </a:r>
           </a:p>
           <a:p>
-            <a:pPr lvl="0" indent="0" marL="0">
+            <a:pPr lvl="0" marL="0" indent="0">
               <a:spcBef>
                 <a:spcPts val="3000"/>
               </a:spcBef>
@@ -3255,7 +3276,7 @@
             </a:r>
           </a:p>
           <a:p>
-            <a:pPr lvl="0" indent="0" marL="0">
+            <a:pPr lvl="0" marL="0" indent="0">
               <a:buNone/>
             </a:pPr>
             <a:r>
@@ -3575,7 +3596,7 @@
             </a:r>
           </a:p>
           <a:p>
-            <a:pPr lvl="0" indent="0" marL="0">
+            <a:pPr lvl="0" marL="0" indent="0">
               <a:spcBef>
                 <a:spcPts val="3000"/>
               </a:spcBef>
@@ -3587,7 +3608,7 @@
             </a:r>
           </a:p>
           <a:p>
-            <a:pPr lvl="0" indent="0" marL="0">
+            <a:pPr lvl="0" marL="0" indent="0">
               <a:buNone/>
             </a:pPr>
             <a:r>
@@ -3690,7 +3711,7 @@
             </a:r>
           </a:p>
           <a:p>
-            <a:pPr lvl="0" indent="0" marL="0">
+            <a:pPr lvl="0" marL="0" indent="0">
               <a:spcBef>
                 <a:spcPts val="3000"/>
               </a:spcBef>
@@ -3702,7 +3723,7 @@
             </a:r>
           </a:p>
           <a:p>
-            <a:pPr lvl="0" indent="0" marL="0">
+            <a:pPr lvl="0" marL="0" indent="0">
               <a:buNone/>
             </a:pPr>
             <a:r>
@@ -3776,7 +3797,7 @@
             </a:r>
           </a:p>
           <a:p>
-            <a:pPr lvl="0" indent="0" marL="0">
+            <a:pPr lvl="0" marL="0" indent="0">
               <a:buNone/>
             </a:pPr>
             <a:r>
@@ -3826,7 +3847,7 @@
             </a:r>
           </a:p>
           <a:p>
-            <a:pPr lvl="0" indent="0" marL="0">
+            <a:pPr lvl="0" marL="0" indent="0">
               <a:spcBef>
                 <a:spcPts val="3000"/>
               </a:spcBef>
@@ -3838,7 +3859,7 @@
             </a:r>
           </a:p>
           <a:p>
-            <a:pPr lvl="0" indent="0" marL="0">
+            <a:pPr lvl="0" marL="0" indent="0">
               <a:buNone/>
             </a:pPr>
             <a:r>
@@ -3847,7 +3868,7 @@
             </a:r>
           </a:p>
           <a:p>
-            <a:pPr lvl="0" indent="0" marL="0">
+            <a:pPr lvl="0" marL="0" indent="0">
               <a:buNone/>
             </a:pPr>
             <a:r>
@@ -3856,7 +3877,7 @@
             </a:r>
           </a:p>
           <a:p>
-            <a:pPr lvl="0" indent="0" marL="0">
+            <a:pPr lvl="0" marL="0" indent="0">
               <a:buNone/>
             </a:pPr>
             <a:r>
@@ -4189,265 +4210,4 @@
   </a:objectDefaults>
   <a:extraClrSchemeLst/>
 </a:theme>
-</file>
-
-<file path=ppt/theme/theme2.xml><?xml version="1.0" encoding="utf-8"?>
-<a:theme xmlns:a="http://schemas.openxmlformats.org/drawingml/2006/main" name="Office Theme">
-  <a:themeElements>
-    <a:clrScheme name="Office">
-      <a:dk1>
-        <a:sysClr val="windowText" lastClr="000000"/>
-      </a:dk1>
-      <a:lt1>
-        <a:sysClr val="window" lastClr="FFFFFF"/>
-      </a:lt1>
-      <a:dk2>
-        <a:srgbClr val="44546A"/>
-      </a:dk2>
-      <a:lt2>
-        <a:srgbClr val="E7E6E6"/>
-      </a:lt2>
-      <a:accent1>
-        <a:srgbClr val="5B9BD5"/>
-      </a:accent1>
-      <a:accent2>
-        <a:srgbClr val="ED7D31"/>
-      </a:accent2>
-      <a:accent3>
-        <a:srgbClr val="A5A5A5"/>
-      </a:accent3>
-      <a:accent4>
-        <a:srgbClr val="FFC000"/>
-      </a:accent4>
-      <a:accent5>
-        <a:srgbClr val="4472C4"/>
-      </a:accent5>
-      <a:accent6>
-        <a:srgbClr val="70AD47"/>
-      </a:accent6>
-      <a:hlink>
-        <a:srgbClr val="0563C1"/>
-      </a:hlink>
-      <a:folHlink>
-        <a:srgbClr val="954F72"/>
-      </a:folHlink>
-    </a:clrScheme>
-    <a:fontScheme name="Office">
-      <a:majorFont>
-        <a:latin typeface="Calibri Light" panose="020F0302020204030204"/>
-        <a:ea typeface=""/>
-        <a:cs typeface=""/>
-        <a:font script="Jpan" typeface="ＭＳ Ｐゴシック"/>
-        <a:font script="Hang" typeface="맑은 고딕"/>
-        <a:font script="Hans" typeface="宋体"/>
-        <a:font script="Hant" typeface="新細明體"/>
-        <a:font script="Arab" typeface="Times New Roman"/>
-        <a:font script="Hebr" typeface="Times New Roman"/>
-        <a:font script="Thai" typeface="Angsana New"/>
-        <a:font script="Ethi" typeface="Nyala"/>
-        <a:font script="Beng" typeface="Vrinda"/>
-        <a:font script="Gujr" typeface="Shruti"/>
-        <a:font script="Khmr" typeface="MoolBoran"/>
-        <a:font script="Knda" typeface="Tunga"/>
-        <a:font script="Guru" typeface="Raavi"/>
-        <a:font script="Cans" typeface="Euphemia"/>
-        <a:font script="Cher" typeface="Plantagenet Cherokee"/>
-        <a:font script="Yiii" typeface="Microsoft Yi Baiti"/>
-        <a:font script="Tibt" typeface="Microsoft Himalaya"/>
-        <a:font script="Thaa" typeface="MV Boli"/>
-        <a:font script="Deva" typeface="Mangal"/>
-        <a:font script="Telu" typeface="Gautami"/>
-        <a:font script="Taml" typeface="Latha"/>
-        <a:font script="Syrc" typeface="Estrangelo Edessa"/>
-        <a:font script="Orya" typeface="Kalinga"/>
-        <a:font script="Mlym" typeface="Kartika"/>
-        <a:font script="Laoo" typeface="DokChampa"/>
-        <a:font script="Sinh" typeface="Iskoola Pota"/>
-        <a:font script="Mong" typeface="Mongolian Baiti"/>
-        <a:font script="Viet" typeface="Times New Roman"/>
-        <a:font script="Uigh" typeface="Microsoft Uighur"/>
-        <a:font script="Geor" typeface="Sylfaen"/>
-      </a:majorFont>
-      <a:minorFont>
-        <a:latin typeface="Calibri" panose="020F0502020204030204"/>
-        <a:ea typeface=""/>
-        <a:cs typeface=""/>
-        <a:font script="Jpan" typeface="ＭＳ Ｐゴシック"/>
-        <a:font script="Hang" typeface="맑은 고딕"/>
-        <a:font script="Hans" typeface="宋体"/>
-        <a:font script="Hant" typeface="新細明體"/>
-        <a:font script="Arab" typeface="Arial"/>
-        <a:font script="Hebr" typeface="Arial"/>
-        <a:font script="Thai" typeface="Cordia New"/>
-        <a:font script="Ethi" typeface="Nyala"/>
-        <a:font script="Beng" typeface="Vrinda"/>
-        <a:font script="Gujr" typeface="Shruti"/>
-        <a:font script="Khmr" typeface="DaunPenh"/>
-        <a:font script="Knda" typeface="Tunga"/>
-        <a:font script="Guru" typeface="Raavi"/>
-        <a:font script="Cans" typeface="Euphemia"/>
-        <a:font script="Cher" typeface="Plantagenet Cherokee"/>
-        <a:font script="Yiii" typeface="Microsoft Yi Baiti"/>
-        <a:font script="Tibt" typeface="Microsoft Himalaya"/>
-        <a:font script="Thaa" typeface="MV Boli"/>
-        <a:font script="Deva" typeface="Mangal"/>
-        <a:font script="Telu" typeface="Gautami"/>
-        <a:font script="Taml" typeface="Latha"/>
-        <a:font script="Syrc" typeface="Estrangelo Edessa"/>
-        <a:font script="Orya" typeface="Kalinga"/>
-        <a:font script="Mlym" typeface="Kartika"/>
-        <a:font script="Laoo" typeface="DokChampa"/>
-        <a:font script="Sinh" typeface="Iskoola Pota"/>
-        <a:font script="Mong" typeface="Mongolian Baiti"/>
-        <a:font script="Viet" typeface="Arial"/>
-        <a:font script="Uigh" typeface="Microsoft Uighur"/>
-        <a:font script="Geor" typeface="Sylfaen"/>
-      </a:minorFont>
-    </a:fontScheme>
-    <a:fmtScheme name="Office">
-      <a:fillStyleLst>
-        <a:solidFill>
-          <a:schemeClr val="phClr"/>
-        </a:solidFill>
-        <a:gradFill rotWithShape="1">
-          <a:gsLst>
-            <a:gs pos="0">
-              <a:schemeClr val="phClr">
-                <a:lumMod val="110000"/>
-                <a:satMod val="105000"/>
-                <a:tint val="67000"/>
-              </a:schemeClr>
-            </a:gs>
-            <a:gs pos="50000">
-              <a:schemeClr val="phClr">
-                <a:lumMod val="105000"/>
-                <a:satMod val="103000"/>
-                <a:tint val="73000"/>
-              </a:schemeClr>
-            </a:gs>
-            <a:gs pos="100000">
-              <a:schemeClr val="phClr">
-                <a:lumMod val="105000"/>
-                <a:satMod val="109000"/>
-                <a:tint val="81000"/>
-              </a:schemeClr>
-            </a:gs>
-          </a:gsLst>
-          <a:lin ang="5400000" scaled="0"/>
-        </a:gradFill>
-        <a:gradFill rotWithShape="1">
-          <a:gsLst>
-            <a:gs pos="0">
-              <a:schemeClr val="phClr">
-                <a:satMod val="103000"/>
-                <a:lumMod val="102000"/>
-                <a:tint val="94000"/>
-              </a:schemeClr>
-            </a:gs>
-            <a:gs pos="50000">
-              <a:schemeClr val="phClr">
-                <a:satMod val="110000"/>
-                <a:lumMod val="100000"/>
-                <a:shade val="100000"/>
-              </a:schemeClr>
-            </a:gs>
-            <a:gs pos="100000">
-              <a:schemeClr val="phClr">
-                <a:lumMod val="99000"/>
-                <a:satMod val="120000"/>
-                <a:shade val="78000"/>
-              </a:schemeClr>
-            </a:gs>
-          </a:gsLst>
-          <a:lin ang="5400000" scaled="0"/>
-        </a:gradFill>
-      </a:fillStyleLst>
-      <a:lnStyleLst>
-        <a:ln w="6350" cap="flat" cmpd="sng" algn="ctr">
-          <a:solidFill>
-            <a:schemeClr val="phClr"/>
-          </a:solidFill>
-          <a:prstDash val="solid"/>
-          <a:miter lim="800000"/>
-        </a:ln>
-        <a:ln w="12700" cap="flat" cmpd="sng" algn="ctr">
-          <a:solidFill>
-            <a:schemeClr val="phClr"/>
-          </a:solidFill>
-          <a:prstDash val="solid"/>
-          <a:miter lim="800000"/>
-        </a:ln>
-        <a:ln w="19050" cap="flat" cmpd="sng" algn="ctr">
-          <a:solidFill>
-            <a:schemeClr val="phClr"/>
-          </a:solidFill>
-          <a:prstDash val="solid"/>
-          <a:miter lim="800000"/>
-        </a:ln>
-      </a:lnStyleLst>
-      <a:effectStyleLst>
-        <a:effectStyle>
-          <a:effectLst/>
-        </a:effectStyle>
-        <a:effectStyle>
-          <a:effectLst/>
-        </a:effectStyle>
-        <a:effectStyle>
-          <a:effectLst>
-            <a:outerShdw blurRad="57150" dist="19050" dir="5400000" algn="ctr" rotWithShape="0">
-              <a:srgbClr val="000000">
-                <a:alpha val="63000"/>
-              </a:srgbClr>
-            </a:outerShdw>
-          </a:effectLst>
-        </a:effectStyle>
-      </a:effectStyleLst>
-      <a:bgFillStyleLst>
-        <a:solidFill>
-          <a:schemeClr val="phClr"/>
-        </a:solidFill>
-        <a:solidFill>
-          <a:schemeClr val="phClr">
-            <a:tint val="95000"/>
-            <a:satMod val="170000"/>
-          </a:schemeClr>
-        </a:solidFill>
-        <a:gradFill rotWithShape="1">
-          <a:gsLst>
-            <a:gs pos="0">
-              <a:schemeClr val="phClr">
-                <a:tint val="93000"/>
-                <a:satMod val="150000"/>
-                <a:shade val="98000"/>
-                <a:lumMod val="102000"/>
-              </a:schemeClr>
-            </a:gs>
-            <a:gs pos="50000">
-              <a:schemeClr val="phClr">
-                <a:tint val="98000"/>
-                <a:satMod val="130000"/>
-                <a:shade val="90000"/>
-                <a:lumMod val="103000"/>
-              </a:schemeClr>
-            </a:gs>
-            <a:gs pos="100000">
-              <a:schemeClr val="phClr">
-                <a:shade val="63000"/>
-                <a:satMod val="120000"/>
-              </a:schemeClr>
-            </a:gs>
-          </a:gsLst>
-          <a:lin ang="5400000" scaled="0"/>
-        </a:gradFill>
-      </a:bgFillStyleLst>
-    </a:fmtScheme>
-  </a:themeElements>
-  <a:objectDefaults/>
-  <a:extraClrSchemeLst/>
-  <a:extLst>
-    <a:ext uri="{05A4C25C-085E-4340-85A3-A5531E510DB2}">
-      <thm15:themeFamily xmlns:thm15="http://schemas.microsoft.com/office/thememl/2012/main" name="Office Theme" id="{62F939B6-93AF-4DB8-9C6B-D6C7DFDC589F}" vid="{4A3C46E8-61CC-4603-A589-7422A47A8E4A}"/>
-    </a:ext>
-  </a:extLst>
-</a:theme>
 </file>